--- a/orientaionWeek-03/8thWeekPresentation.pptx
+++ b/orientaionWeek-03/8thWeekPresentation.pptx
@@ -5,15 +5,16 @@
     <p:sldMasterId id="2147483648" r:id="rId1"/>
   </p:sldMasterIdLst>
   <p:notesMasterIdLst>
-    <p:notesMasterId r:id="rId8"/>
+    <p:notesMasterId r:id="rId9"/>
   </p:notesMasterIdLst>
   <p:sldIdLst>
     <p:sldId id="256" r:id="rId2"/>
     <p:sldId id="257" r:id="rId3"/>
-    <p:sldId id="263" r:id="rId4"/>
-    <p:sldId id="258" r:id="rId5"/>
-    <p:sldId id="262" r:id="rId6"/>
-    <p:sldId id="259" r:id="rId7"/>
+    <p:sldId id="264" r:id="rId4"/>
+    <p:sldId id="263" r:id="rId5"/>
+    <p:sldId id="265" r:id="rId6"/>
+    <p:sldId id="258" r:id="rId7"/>
+    <p:sldId id="259" r:id="rId8"/>
   </p:sldIdLst>
   <p:sldSz cx="12192000" cy="6858000"/>
   <p:notesSz cx="6858000" cy="9144000"/>
@@ -516,12 +517,117 @@
           <a:p>
             <a:r>
               <a:rPr lang="en-GB" dirty="0" smtClean="0"/>
-              <a:t>Sean</a:t>
+              <a:t>Okay with Model-View</a:t>
             </a:r>
             <a:r>
               <a:rPr lang="en-GB" baseline="0" dirty="0" smtClean="0"/>
-              <a:t> Walton</a:t>
-            </a:r>
+              <a:t>-Control</a:t>
+            </a:r>
+            <a:r>
+              <a:rPr lang="hu-HU" baseline="0" dirty="0" smtClean="0"/>
+              <a:t> </a:t>
+            </a:r>
+            <a:r>
+              <a:rPr lang="hu-HU" baseline="0" dirty="0" err="1" smtClean="0"/>
+              <a:t>approach</a:t>
+            </a:r>
+            <a:endParaRPr lang="hu-HU" baseline="0" dirty="0" smtClean="0"/>
+          </a:p>
+          <a:p>
+            <a:r>
+              <a:rPr lang="hu-HU" baseline="0" dirty="0" err="1" smtClean="0"/>
+              <a:t>Also</a:t>
+            </a:r>
+            <a:r>
+              <a:rPr lang="hu-HU" baseline="0" dirty="0" smtClean="0"/>
+              <a:t> </a:t>
+            </a:r>
+            <a:r>
+              <a:rPr lang="hu-HU" baseline="0" dirty="0" err="1" smtClean="0"/>
+              <a:t>with</a:t>
+            </a:r>
+            <a:r>
+              <a:rPr lang="hu-HU" baseline="0" dirty="0" smtClean="0"/>
+              <a:t> </a:t>
+            </a:r>
+            <a:r>
+              <a:rPr lang="hu-HU" baseline="0" dirty="0" err="1" smtClean="0"/>
+              <a:t>simple</a:t>
+            </a:r>
+            <a:r>
+              <a:rPr lang="hu-HU" baseline="0" dirty="0" smtClean="0"/>
+              <a:t> </a:t>
+            </a:r>
+            <a:r>
+              <a:rPr lang="hu-HU" baseline="0" dirty="0" err="1" smtClean="0"/>
+              <a:t>tables</a:t>
+            </a:r>
+            <a:endParaRPr lang="hu-HU" baseline="0" dirty="0" smtClean="0"/>
+          </a:p>
+          <a:p>
+            <a:r>
+              <a:rPr lang="hu-HU" baseline="0" dirty="0" err="1" smtClean="0"/>
+              <a:t>First</a:t>
+            </a:r>
+            <a:r>
+              <a:rPr lang="hu-HU" baseline="0" dirty="0" smtClean="0"/>
+              <a:t>: </a:t>
+            </a:r>
+            <a:r>
+              <a:rPr lang="hu-HU" baseline="0" dirty="0" err="1" smtClean="0"/>
+              <a:t>On</a:t>
+            </a:r>
+            <a:r>
+              <a:rPr lang="hu-HU" baseline="0" dirty="0" smtClean="0"/>
+              <a:t> </a:t>
+            </a:r>
+            <a:r>
+              <a:rPr lang="hu-HU" baseline="0" dirty="0" err="1" smtClean="0"/>
+              <a:t>my</a:t>
+            </a:r>
+            <a:r>
+              <a:rPr lang="hu-HU" baseline="0" dirty="0" smtClean="0"/>
+              <a:t> </a:t>
+            </a:r>
+            <a:r>
+              <a:rPr lang="hu-HU" baseline="0" dirty="0" err="1" smtClean="0"/>
+              <a:t>own</a:t>
+            </a:r>
+            <a:endParaRPr lang="hu-HU" baseline="0" dirty="0" smtClean="0"/>
+          </a:p>
+          <a:p>
+            <a:r>
+              <a:rPr lang="hu-HU" baseline="0" dirty="0" err="1" smtClean="0"/>
+              <a:t>Suvi’s</a:t>
+            </a:r>
+            <a:r>
+              <a:rPr lang="hu-HU" baseline="0" dirty="0" smtClean="0"/>
+              <a:t> </a:t>
+            </a:r>
+            <a:r>
+              <a:rPr lang="hu-HU" baseline="0" dirty="0" err="1" smtClean="0"/>
+              <a:t>help</a:t>
+            </a:r>
+            <a:endParaRPr lang="hu-HU" baseline="0" dirty="0" smtClean="0"/>
+          </a:p>
+          <a:p>
+            <a:r>
+              <a:rPr lang="hu-HU" baseline="0" dirty="0" err="1" smtClean="0"/>
+              <a:t>googlin</a:t>
+            </a:r>
+            <a:endParaRPr lang="en-GB" dirty="0" smtClean="0"/>
+          </a:p>
+          <a:p>
+            <a:r>
+              <a:rPr lang="en-GB" dirty="0" smtClean="0"/>
+              <a:t>Login</a:t>
+            </a:r>
+            <a:r>
+              <a:rPr lang="en-GB" baseline="0" dirty="0" smtClean="0"/>
+              <a:t> or connected tables</a:t>
+            </a:r>
+          </a:p>
+          <a:p>
             <a:endParaRPr lang="hu-HU" dirty="0"/>
           </a:p>
         </p:txBody>
@@ -553,6 +659,325 @@
     <p:extLst>
       <p:ext uri="{BB962C8B-B14F-4D97-AF65-F5344CB8AC3E}">
         <p14:creationId xmlns:p14="http://schemas.microsoft.com/office/powerpoint/2010/main" val="2242596380"/>
+      </p:ext>
+    </p:extLst>
+  </p:cSld>
+  <p:clrMapOvr>
+    <a:masterClrMapping/>
+  </p:clrMapOvr>
+</p:notes>
+</file>
+
+<file path=ppt/notesSlides/notesSlide2.xml><?xml version="1.0" encoding="utf-8"?>
+<p:notes xmlns:a="http://schemas.openxmlformats.org/drawingml/2006/main" xmlns:r="http://schemas.openxmlformats.org/officeDocument/2006/relationships" xmlns:p="http://schemas.openxmlformats.org/presentationml/2006/main">
+  <p:cSld>
+    <p:spTree>
+      <p:nvGrpSpPr>
+        <p:cNvPr id="1" name=""/>
+        <p:cNvGrpSpPr/>
+        <p:nvPr/>
+      </p:nvGrpSpPr>
+      <p:grpSpPr>
+        <a:xfrm>
+          <a:off x="0" y="0"/>
+          <a:ext cx="0" cy="0"/>
+          <a:chOff x="0" y="0"/>
+          <a:chExt cx="0" cy="0"/>
+        </a:xfrm>
+      </p:grpSpPr>
+      <p:sp>
+        <p:nvSpPr>
+          <p:cNvPr id="2" name="Diakép helye 1"/>
+          <p:cNvSpPr>
+            <a:spLocks noGrp="1" noRot="1" noChangeAspect="1"/>
+          </p:cNvSpPr>
+          <p:nvPr>
+            <p:ph type="sldImg"/>
+          </p:nvPr>
+        </p:nvSpPr>
+        <p:spPr/>
+      </p:sp>
+      <p:sp>
+        <p:nvSpPr>
+          <p:cNvPr id="3" name="Jegyzetek helye 2"/>
+          <p:cNvSpPr>
+            <a:spLocks noGrp="1"/>
+          </p:cNvSpPr>
+          <p:nvPr>
+            <p:ph type="body" idx="1"/>
+          </p:nvPr>
+        </p:nvSpPr>
+        <p:spPr/>
+        <p:txBody>
+          <a:bodyPr/>
+          <a:lstStyle/>
+          <a:p>
+            <a:r>
+              <a:rPr lang="en-GB" dirty="0" smtClean="0"/>
+              <a:t>Based on the first two videos</a:t>
+            </a:r>
+            <a:endParaRPr lang="hu-HU" dirty="0"/>
+          </a:p>
+        </p:txBody>
+      </p:sp>
+      <p:sp>
+        <p:nvSpPr>
+          <p:cNvPr id="4" name="Dia számának helye 3"/>
+          <p:cNvSpPr>
+            <a:spLocks noGrp="1"/>
+          </p:cNvSpPr>
+          <p:nvPr>
+            <p:ph type="sldNum" sz="quarter" idx="10"/>
+          </p:nvPr>
+        </p:nvSpPr>
+        <p:spPr/>
+        <p:txBody>
+          <a:bodyPr/>
+          <a:lstStyle/>
+          <a:p>
+            <a:fld id="{BEEEC792-8594-4C76-918B-6CE5CC2E602F}" type="slidenum">
+              <a:rPr lang="hu-HU" smtClean="0"/>
+              <a:t>3</a:t>
+            </a:fld>
+            <a:endParaRPr lang="hu-HU"/>
+          </a:p>
+        </p:txBody>
+      </p:sp>
+    </p:spTree>
+    <p:extLst>
+      <p:ext uri="{BB962C8B-B14F-4D97-AF65-F5344CB8AC3E}">
+        <p14:creationId xmlns:p14="http://schemas.microsoft.com/office/powerpoint/2010/main" val="3485684267"/>
+      </p:ext>
+    </p:extLst>
+  </p:cSld>
+  <p:clrMapOvr>
+    <a:masterClrMapping/>
+  </p:clrMapOvr>
+</p:notes>
+</file>
+
+<file path=ppt/notesSlides/notesSlide3.xml><?xml version="1.0" encoding="utf-8"?>
+<p:notes xmlns:a="http://schemas.openxmlformats.org/drawingml/2006/main" xmlns:r="http://schemas.openxmlformats.org/officeDocument/2006/relationships" xmlns:p="http://schemas.openxmlformats.org/presentationml/2006/main">
+  <p:cSld>
+    <p:spTree>
+      <p:nvGrpSpPr>
+        <p:cNvPr id="1" name=""/>
+        <p:cNvGrpSpPr/>
+        <p:nvPr/>
+      </p:nvGrpSpPr>
+      <p:grpSpPr>
+        <a:xfrm>
+          <a:off x="0" y="0"/>
+          <a:ext cx="0" cy="0"/>
+          <a:chOff x="0" y="0"/>
+          <a:chExt cx="0" cy="0"/>
+        </a:xfrm>
+      </p:grpSpPr>
+      <p:sp>
+        <p:nvSpPr>
+          <p:cNvPr id="2" name="Diakép helye 1"/>
+          <p:cNvSpPr>
+            <a:spLocks noGrp="1" noRot="1" noChangeAspect="1"/>
+          </p:cNvSpPr>
+          <p:nvPr>
+            <p:ph type="sldImg"/>
+          </p:nvPr>
+        </p:nvSpPr>
+        <p:spPr/>
+      </p:sp>
+      <p:sp>
+        <p:nvSpPr>
+          <p:cNvPr id="3" name="Jegyzetek helye 2"/>
+          <p:cNvSpPr>
+            <a:spLocks noGrp="1"/>
+          </p:cNvSpPr>
+          <p:nvPr>
+            <p:ph type="body" idx="1"/>
+          </p:nvPr>
+        </p:nvSpPr>
+        <p:spPr/>
+        <p:txBody>
+          <a:bodyPr/>
+          <a:lstStyle/>
+          <a:p>
+            <a:r>
+              <a:rPr lang="hu-HU" dirty="0" err="1" smtClean="0"/>
+              <a:t>Uniqe</a:t>
+            </a:r>
+            <a:r>
+              <a:rPr lang="hu-HU" dirty="0" smtClean="0"/>
+              <a:t> </a:t>
+            </a:r>
+            <a:r>
+              <a:rPr lang="hu-HU" dirty="0" err="1" smtClean="0"/>
+              <a:t>userIds</a:t>
+            </a:r>
+            <a:r>
+              <a:rPr lang="hu-HU" dirty="0" smtClean="0"/>
+              <a:t> </a:t>
+            </a:r>
+            <a:r>
+              <a:rPr lang="hu-HU" dirty="0" err="1" smtClean="0"/>
+              <a:t>which</a:t>
+            </a:r>
+            <a:r>
+              <a:rPr lang="hu-HU" dirty="0" smtClean="0"/>
+              <a:t> </a:t>
+            </a:r>
+            <a:r>
+              <a:rPr lang="hu-HU" dirty="0" err="1" smtClean="0"/>
+              <a:t>are</a:t>
+            </a:r>
+            <a:r>
+              <a:rPr lang="hu-HU" dirty="0" smtClean="0"/>
+              <a:t> </a:t>
+            </a:r>
+            <a:r>
+              <a:rPr lang="hu-HU" dirty="0" err="1" smtClean="0"/>
+              <a:t>connected</a:t>
+            </a:r>
+            <a:r>
+              <a:rPr lang="hu-HU" dirty="0" smtClean="0"/>
+              <a:t> </a:t>
+            </a:r>
+            <a:r>
+              <a:rPr lang="hu-HU" dirty="0" err="1" smtClean="0"/>
+              <a:t>to</a:t>
+            </a:r>
+            <a:r>
+              <a:rPr lang="hu-HU" dirty="0" smtClean="0"/>
+              <a:t> a </a:t>
+            </a:r>
+            <a:r>
+              <a:rPr lang="hu-HU" dirty="0" err="1" smtClean="0"/>
+              <a:t>user</a:t>
+            </a:r>
+            <a:endParaRPr lang="hu-HU" dirty="0" smtClean="0"/>
+          </a:p>
+          <a:p>
+            <a:r>
+              <a:rPr lang="en-GB" dirty="0" smtClean="0"/>
+              <a:t>Lot of tables and probably most of them are</a:t>
+            </a:r>
+            <a:r>
+              <a:rPr lang="en-GB" baseline="0" dirty="0" smtClean="0"/>
+              <a:t> not necessary</a:t>
+            </a:r>
+            <a:endParaRPr lang="hu-HU" dirty="0"/>
+          </a:p>
+        </p:txBody>
+      </p:sp>
+      <p:sp>
+        <p:nvSpPr>
+          <p:cNvPr id="4" name="Dia számának helye 3"/>
+          <p:cNvSpPr>
+            <a:spLocks noGrp="1"/>
+          </p:cNvSpPr>
+          <p:nvPr>
+            <p:ph type="sldNum" sz="quarter" idx="10"/>
+          </p:nvPr>
+        </p:nvSpPr>
+        <p:spPr/>
+        <p:txBody>
+          <a:bodyPr/>
+          <a:lstStyle/>
+          <a:p>
+            <a:fld id="{BEEEC792-8594-4C76-918B-6CE5CC2E602F}" type="slidenum">
+              <a:rPr lang="hu-HU" smtClean="0"/>
+              <a:t>5</a:t>
+            </a:fld>
+            <a:endParaRPr lang="hu-HU"/>
+          </a:p>
+        </p:txBody>
+      </p:sp>
+    </p:spTree>
+    <p:extLst>
+      <p:ext uri="{BB962C8B-B14F-4D97-AF65-F5344CB8AC3E}">
+        <p14:creationId xmlns:p14="http://schemas.microsoft.com/office/powerpoint/2010/main" val="1359168852"/>
+      </p:ext>
+    </p:extLst>
+  </p:cSld>
+  <p:clrMapOvr>
+    <a:masterClrMapping/>
+  </p:clrMapOvr>
+</p:notes>
+</file>
+
+<file path=ppt/notesSlides/notesSlide4.xml><?xml version="1.0" encoding="utf-8"?>
+<p:notes xmlns:a="http://schemas.openxmlformats.org/drawingml/2006/main" xmlns:r="http://schemas.openxmlformats.org/officeDocument/2006/relationships" xmlns:p="http://schemas.openxmlformats.org/presentationml/2006/main">
+  <p:cSld>
+    <p:spTree>
+      <p:nvGrpSpPr>
+        <p:cNvPr id="1" name=""/>
+        <p:cNvGrpSpPr/>
+        <p:nvPr/>
+      </p:nvGrpSpPr>
+      <p:grpSpPr>
+        <a:xfrm>
+          <a:off x="0" y="0"/>
+          <a:ext cx="0" cy="0"/>
+          <a:chOff x="0" y="0"/>
+          <a:chExt cx="0" cy="0"/>
+        </a:xfrm>
+      </p:grpSpPr>
+      <p:sp>
+        <p:nvSpPr>
+          <p:cNvPr id="2" name="Diakép helye 1"/>
+          <p:cNvSpPr>
+            <a:spLocks noGrp="1" noRot="1" noChangeAspect="1"/>
+          </p:cNvSpPr>
+          <p:nvPr>
+            <p:ph type="sldImg"/>
+          </p:nvPr>
+        </p:nvSpPr>
+        <p:spPr/>
+      </p:sp>
+      <p:sp>
+        <p:nvSpPr>
+          <p:cNvPr id="3" name="Jegyzetek helye 2"/>
+          <p:cNvSpPr>
+            <a:spLocks noGrp="1"/>
+          </p:cNvSpPr>
+          <p:nvPr>
+            <p:ph type="body" idx="1"/>
+          </p:nvPr>
+        </p:nvSpPr>
+        <p:spPr/>
+        <p:txBody>
+          <a:bodyPr/>
+          <a:lstStyle/>
+          <a:p>
+            <a:endParaRPr lang="hu-HU" dirty="0"/>
+          </a:p>
+        </p:txBody>
+      </p:sp>
+      <p:sp>
+        <p:nvSpPr>
+          <p:cNvPr id="4" name="Dia számának helye 3"/>
+          <p:cNvSpPr>
+            <a:spLocks noGrp="1"/>
+          </p:cNvSpPr>
+          <p:nvPr>
+            <p:ph type="sldNum" sz="quarter" idx="10"/>
+          </p:nvPr>
+        </p:nvSpPr>
+        <p:spPr/>
+        <p:txBody>
+          <a:bodyPr/>
+          <a:lstStyle/>
+          <a:p>
+            <a:fld id="{BEEEC792-8594-4C76-918B-6CE5CC2E602F}" type="slidenum">
+              <a:rPr lang="hu-HU" smtClean="0"/>
+              <a:t>6</a:t>
+            </a:fld>
+            <a:endParaRPr lang="hu-HU"/>
+          </a:p>
+        </p:txBody>
+      </p:sp>
+    </p:spTree>
+    <p:extLst>
+      <p:ext uri="{BB962C8B-B14F-4D97-AF65-F5344CB8AC3E}">
+        <p14:creationId xmlns:p14="http://schemas.microsoft.com/office/powerpoint/2010/main" val="807283571"/>
       </p:ext>
     </p:extLst>
   </p:cSld>
@@ -6149,7 +6574,7 @@
         <p:spPr>
           <a:xfrm>
             <a:off x="5131700" y="1440000"/>
-            <a:ext cx="6316300" cy="4493538"/>
+            <a:ext cx="7060300" cy="4493538"/>
           </a:xfrm>
           <a:prstGeom prst="rect">
             <a:avLst/>
@@ -6172,6 +6597,85 @@
               <a:t>Total Commits So Far</a:t>
             </a:r>
             <a:endParaRPr lang="hu-HU" sz="3600" b="1" dirty="0" smtClean="0">
+              <a:solidFill>
+                <a:srgbClr val="419464"/>
+              </a:solidFill>
+              <a:latin typeface="+mj-lt"/>
+            </a:endParaRPr>
+          </a:p>
+          <a:p>
+            <a:r>
+              <a:rPr lang="hu-HU" sz="2800" b="1" dirty="0" smtClean="0">
+                <a:effectLst>
+                  <a:outerShdw blurRad="38100" dist="38100" dir="2700000" algn="tl">
+                    <a:srgbClr val="000000">
+                      <a:alpha val="43137"/>
+                    </a:srgbClr>
+                  </a:outerShdw>
+                </a:effectLst>
+                <a:latin typeface="+mj-lt"/>
+              </a:rPr>
+              <a:t>479</a:t>
+            </a:r>
+            <a:endParaRPr lang="hu-HU" sz="2800" b="1" dirty="0" smtClean="0">
+              <a:effectLst>
+                <a:outerShdw blurRad="38100" dist="38100" dir="2700000" algn="tl">
+                  <a:srgbClr val="000000">
+                    <a:alpha val="43137"/>
+                  </a:srgbClr>
+                </a:outerShdw>
+              </a:effectLst>
+              <a:latin typeface="+mj-lt"/>
+            </a:endParaRPr>
+          </a:p>
+          <a:p>
+            <a:r>
+              <a:rPr lang="en-GB" sz="2000" i="1" dirty="0" smtClean="0">
+                <a:latin typeface="+mj-lt"/>
+              </a:rPr>
+              <a:t>Target: 1K</a:t>
+            </a:r>
+            <a:r>
+              <a:rPr lang="en-GB" sz="2000" i="1" dirty="0">
+                <a:latin typeface="+mj-lt"/>
+              </a:rPr>
+              <a:t> </a:t>
+            </a:r>
+            <a:r>
+              <a:rPr lang="en-GB" sz="2000" i="1" dirty="0" smtClean="0">
+                <a:latin typeface="+mj-lt"/>
+              </a:rPr>
+              <a:t>(end of the course)</a:t>
+            </a:r>
+            <a:endParaRPr lang="hu-HU" sz="2000" i="1" dirty="0" smtClean="0">
+              <a:latin typeface="+mj-lt"/>
+            </a:endParaRPr>
+          </a:p>
+          <a:p>
+            <a:endParaRPr lang="hu-HU" sz="1600" dirty="0">
+              <a:latin typeface="+mj-lt"/>
+            </a:endParaRPr>
+          </a:p>
+          <a:p>
+            <a:r>
+              <a:rPr lang="en-GB" sz="3600" b="1" dirty="0" smtClean="0">
+                <a:solidFill>
+                  <a:srgbClr val="419464"/>
+                </a:solidFill>
+                <a:latin typeface="+mj-lt"/>
+              </a:rPr>
+              <a:t>Favourite Exercise – </a:t>
+            </a:r>
+            <a:r>
+              <a:rPr lang="en-GB" sz="3600" b="1" i="1" dirty="0" err="1" smtClean="0">
+                <a:solidFill>
+                  <a:srgbClr val="419464"/>
+                </a:solidFill>
+                <a:latin typeface="+mj-lt"/>
+              </a:rPr>
+              <a:t>ToDo</a:t>
+            </a:r>
+            <a:endParaRPr lang="en-GB" sz="3600" b="1" i="1" dirty="0" smtClean="0">
               <a:solidFill>
                 <a:srgbClr val="419464"/>
               </a:solidFill>
@@ -6190,9 +6694,9 @@
                 </a:effectLst>
                 <a:latin typeface="+mj-lt"/>
               </a:rPr>
-              <a:t>392</a:t>
-            </a:r>
-            <a:endParaRPr lang="hu-HU" sz="2800" b="1" dirty="0" smtClean="0">
+              <a:t>Handling Users</a:t>
+            </a:r>
+            <a:endParaRPr lang="en-GB" sz="2800" b="1" dirty="0">
               <a:effectLst>
                 <a:outerShdw blurRad="38100" dist="38100" dir="2700000" algn="tl">
                   <a:srgbClr val="000000">
@@ -6205,29 +6709,32 @@
           </a:p>
           <a:p>
             <a:r>
+              <a:rPr lang="hu-HU" sz="2000" i="1" dirty="0">
+                <a:latin typeface="+mj-lt"/>
+              </a:rPr>
+              <a:t>2</a:t>
+            </a:r>
+            <a:r>
+              <a:rPr lang="hu-HU" sz="2000" i="1" dirty="0" smtClean="0">
+                <a:latin typeface="+mj-lt"/>
+              </a:rPr>
+              <a:t> </a:t>
+            </a:r>
+            <a:r>
               <a:rPr lang="en-GB" sz="2000" i="1" dirty="0" smtClean="0">
                 <a:latin typeface="+mj-lt"/>
               </a:rPr>
-              <a:t>Target: 1K</a:t>
-            </a:r>
-            <a:r>
-              <a:rPr lang="en-GB" sz="2000" i="1" dirty="0">
-                <a:latin typeface="+mj-lt"/>
-              </a:rPr>
-              <a:t> </a:t>
-            </a:r>
-            <a:r>
-              <a:rPr lang="en-GB" sz="2000" i="1" dirty="0" smtClean="0">
-                <a:latin typeface="+mj-lt"/>
-              </a:rPr>
-              <a:t>(end of the course)</a:t>
-            </a:r>
-            <a:endParaRPr lang="hu-HU" sz="2000" i="1" dirty="0" smtClean="0">
+              <a:t>days</a:t>
+            </a:r>
+            <a:endParaRPr lang="en-GB" sz="2000" i="1" dirty="0">
               <a:latin typeface="+mj-lt"/>
             </a:endParaRPr>
           </a:p>
           <a:p>
-            <a:endParaRPr lang="hu-HU" sz="1600" dirty="0">
+            <a:endParaRPr lang="en-GB" b="1" dirty="0">
+              <a:solidFill>
+                <a:srgbClr val="419464"/>
+              </a:solidFill>
               <a:latin typeface="+mj-lt"/>
             </a:endParaRPr>
           </a:p>
@@ -6239,10 +6746,28 @@
                 </a:solidFill>
                 <a:latin typeface="+mj-lt"/>
               </a:rPr>
-              <a:t>Favourite Exercise – </a:t>
-            </a:r>
-            <a:r>
-              <a:rPr lang="en-GB" sz="3600" b="1" i="1" dirty="0" err="1" smtClean="0">
+              <a:t>Sean Walton – </a:t>
+            </a:r>
+            <a:r>
+              <a:rPr lang="en-GB" sz="3600" b="1" dirty="0" err="1" smtClean="0">
+                <a:solidFill>
+                  <a:srgbClr val="419464"/>
+                </a:solidFill>
+                <a:latin typeface="+mj-lt"/>
+              </a:rPr>
+              <a:t>Youtube</a:t>
+            </a:r>
+            <a:r>
+              <a:rPr lang="en-GB" sz="3600" b="1" dirty="0" smtClean="0">
+                <a:solidFill>
+                  <a:srgbClr val="419464"/>
+                </a:solidFill>
+                <a:latin typeface="+mj-lt"/>
+              </a:rPr>
+              <a:t> </a:t>
+            </a:r>
+            <a:r>
+              <a:rPr lang="en-GB" sz="3600" b="1" dirty="0" err="1" smtClean="0">
                 <a:solidFill>
                   <a:srgbClr val="419464"/>
                 </a:solidFill>
@@ -6250,7 +6775,16 @@
               </a:rPr>
               <a:t>ToDo</a:t>
             </a:r>
-            <a:endParaRPr lang="en-GB" sz="3600" b="1" i="1" dirty="0" smtClean="0">
+            <a:r>
+              <a:rPr lang="en-GB" sz="3600" b="1" dirty="0" smtClean="0">
+                <a:solidFill>
+                  <a:srgbClr val="419464"/>
+                </a:solidFill>
+                <a:latin typeface="+mj-lt"/>
+              </a:rPr>
+              <a:t> Tutorial</a:t>
+            </a:r>
+            <a:endParaRPr lang="en-GB" sz="3600" b="1" dirty="0" smtClean="0">
               <a:solidFill>
                 <a:srgbClr val="419464"/>
               </a:solidFill>
@@ -6258,19 +6792,6 @@
             </a:endParaRPr>
           </a:p>
           <a:p>
-            <a:r>
-              <a:rPr lang="en-GB" sz="2800" b="1" dirty="0">
-                <a:effectLst>
-                  <a:outerShdw blurRad="38100" dist="38100" dir="2700000" algn="tl">
-                    <a:srgbClr val="000000">
-                      <a:alpha val="43137"/>
-                    </a:srgbClr>
-                  </a:outerShdw>
-                </a:effectLst>
-                <a:latin typeface="+mj-lt"/>
-              </a:rPr>
-              <a:t>4</a:t>
-            </a:r>
             <a:r>
               <a:rPr lang="en-GB" sz="2800" b="1" dirty="0" smtClean="0">
                 <a:effectLst>
@@ -6282,107 +6803,7 @@
                 </a:effectLst>
                 <a:latin typeface="+mj-lt"/>
               </a:rPr>
-              <a:t> </a:t>
-            </a:r>
-            <a:r>
-              <a:rPr lang="en-GB" sz="2800" b="1" dirty="0" smtClean="0">
-                <a:effectLst>
-                  <a:outerShdw blurRad="38100" dist="38100" dir="2700000" algn="tl">
-                    <a:srgbClr val="000000">
-                      <a:alpha val="43137"/>
-                    </a:srgbClr>
-                  </a:outerShdw>
-                </a:effectLst>
-                <a:latin typeface="+mj-lt"/>
-              </a:rPr>
-              <a:t>days</a:t>
-            </a:r>
-            <a:endParaRPr lang="en-GB" sz="2800" b="1" dirty="0">
-              <a:effectLst>
-                <a:outerShdw blurRad="38100" dist="38100" dir="2700000" algn="tl">
-                  <a:srgbClr val="000000">
-                    <a:alpha val="43137"/>
-                  </a:srgbClr>
-                </a:outerShdw>
-              </a:effectLst>
-              <a:latin typeface="+mj-lt"/>
-            </a:endParaRPr>
-          </a:p>
-          <a:p>
-            <a:r>
-              <a:rPr lang="en-GB" sz="2000" i="1" dirty="0" smtClean="0">
-                <a:latin typeface="+mj-lt"/>
-              </a:rPr>
-              <a:t>Handling Users</a:t>
-            </a:r>
-            <a:endParaRPr lang="en-GB" sz="2000" i="1" dirty="0">
-              <a:latin typeface="+mj-lt"/>
-            </a:endParaRPr>
-          </a:p>
-          <a:p>
-            <a:endParaRPr lang="en-GB" b="1" dirty="0">
-              <a:solidFill>
-                <a:srgbClr val="419464"/>
-              </a:solidFill>
-              <a:latin typeface="+mj-lt"/>
-            </a:endParaRPr>
-          </a:p>
-          <a:p>
-            <a:r>
-              <a:rPr lang="en-GB" sz="3600" b="1" dirty="0" smtClean="0">
-                <a:solidFill>
-                  <a:srgbClr val="419464"/>
-                </a:solidFill>
-                <a:latin typeface="+mj-lt"/>
-              </a:rPr>
-              <a:t>Not empty MVC application</a:t>
-            </a:r>
-            <a:endParaRPr lang="en-GB" sz="3600" b="1" dirty="0">
-              <a:solidFill>
-                <a:srgbClr val="419464"/>
-              </a:solidFill>
-              <a:latin typeface="+mj-lt"/>
-            </a:endParaRPr>
-          </a:p>
-          <a:p>
-            <a:r>
-              <a:rPr lang="en-GB" sz="2800" b="1" dirty="0" smtClean="0">
-                <a:effectLst>
-                  <a:outerShdw blurRad="38100" dist="38100" dir="2700000" algn="tl">
-                    <a:srgbClr val="000000">
-                      <a:alpha val="43137"/>
-                    </a:srgbClr>
-                  </a:outerShdw>
-                </a:effectLst>
-                <a:latin typeface="+mj-lt"/>
-              </a:rPr>
-              <a:t>Sean Walton – </a:t>
-            </a:r>
-            <a:r>
-              <a:rPr lang="en-GB" sz="2800" b="1" dirty="0" err="1" smtClean="0">
-                <a:effectLst>
-                  <a:outerShdw blurRad="38100" dist="38100" dir="2700000" algn="tl">
-                    <a:srgbClr val="000000">
-                      <a:alpha val="43137"/>
-                    </a:srgbClr>
-                  </a:outerShdw>
-                </a:effectLst>
-                <a:latin typeface="+mj-lt"/>
-              </a:rPr>
-              <a:t>Youtube</a:t>
-            </a:r>
-            <a:r>
-              <a:rPr lang="en-GB" sz="2800" b="1" dirty="0" smtClean="0">
-                <a:effectLst>
-                  <a:outerShdw blurRad="38100" dist="38100" dir="2700000" algn="tl">
-                    <a:srgbClr val="000000">
-                      <a:alpha val="43137"/>
-                    </a:srgbClr>
-                  </a:outerShdw>
-                </a:effectLst>
-                <a:latin typeface="+mj-lt"/>
-              </a:rPr>
-              <a:t> video playlist</a:t>
+              <a:t>Web Application (MVC)</a:t>
             </a:r>
             <a:endParaRPr lang="en-GB" sz="2800" b="1" dirty="0" smtClean="0">
               <a:effectLst>
@@ -6416,7 +6837,7 @@
         </p:nvSpPr>
         <p:spPr>
           <a:xfrm>
-            <a:off x="9069049" y="5809499"/>
+            <a:off x="1851048" y="5944402"/>
             <a:ext cx="2378951" cy="707886"/>
           </a:xfrm>
           <a:prstGeom prst="rect">
@@ -6434,7 +6855,7 @@
             <a:r>
               <a:rPr lang="en-GB" sz="4000" b="1" dirty="0" err="1" smtClean="0">
                 <a:solidFill>
-                  <a:srgbClr val="419464"/>
+                  <a:schemeClr val="bg1"/>
                 </a:solidFill>
               </a:rPr>
               <a:t>Csibi</a:t>
@@ -6442,7 +6863,7 @@
             <a:r>
               <a:rPr lang="en-GB" sz="4000" b="1" dirty="0" smtClean="0">
                 <a:solidFill>
-                  <a:srgbClr val="419464"/>
+                  <a:schemeClr val="bg1"/>
                 </a:solidFill>
               </a:rPr>
               <a:t> </a:t>
@@ -6450,14 +6871,14 @@
             <a:r>
               <a:rPr lang="en-GB" sz="4000" b="1" dirty="0" err="1" smtClean="0">
                 <a:solidFill>
-                  <a:srgbClr val="419464"/>
+                  <a:schemeClr val="bg1"/>
                 </a:solidFill>
               </a:rPr>
               <a:t>Vili</a:t>
             </a:r>
             <a:endParaRPr lang="hu-HU" sz="4000" b="1" dirty="0">
               <a:solidFill>
-                <a:srgbClr val="419464"/>
+                <a:schemeClr val="bg1"/>
               </a:solidFill>
             </a:endParaRPr>
           </a:p>
@@ -6739,1095 +7160,34 @@
           <a:chExt cx="0" cy="0"/>
         </a:xfrm>
       </p:grpSpPr>
-      <p:sp>
-        <p:nvSpPr>
-          <p:cNvPr id="3" name="Szövegdoboz 2"/>
-          <p:cNvSpPr txBox="1"/>
+      <p:pic>
+        <p:nvPicPr>
+          <p:cNvPr id="2" name="Kép 1"/>
+          <p:cNvPicPr>
+            <a:picLocks noChangeAspect="1"/>
+          </p:cNvPicPr>
           <p:nvPr/>
-        </p:nvSpPr>
+        </p:nvPicPr>
+        <p:blipFill>
+          <a:blip r:embed="rId3"/>
+          <a:stretch>
+            <a:fillRect/>
+          </a:stretch>
+        </p:blipFill>
         <p:spPr>
           <a:xfrm>
-            <a:off x="512201" y="554636"/>
-            <a:ext cx="11167598" cy="830997"/>
+            <a:off x="253295" y="1828800"/>
+            <a:ext cx="11685411" cy="3200400"/>
           </a:xfrm>
           <a:prstGeom prst="rect">
             <a:avLst/>
           </a:prstGeom>
-          <a:noFill/>
         </p:spPr>
-        <p:txBody>
-          <a:bodyPr wrap="square" rtlCol="0">
-            <a:spAutoFit/>
-          </a:bodyPr>
-          <a:lstStyle/>
-          <a:p>
-            <a:r>
-              <a:rPr lang="en-GB" sz="4800" b="1" dirty="0" smtClean="0">
-                <a:solidFill>
-                  <a:schemeClr val="bg1"/>
-                </a:solidFill>
-              </a:rPr>
-              <a:t>UML</a:t>
-            </a:r>
-            <a:endParaRPr lang="hu-HU" sz="4800" b="1" dirty="0">
-              <a:solidFill>
-                <a:schemeClr val="bg1"/>
-              </a:solidFill>
-            </a:endParaRPr>
-          </a:p>
-        </p:txBody>
-      </p:sp>
-      <p:graphicFrame>
-        <p:nvGraphicFramePr>
-          <p:cNvPr id="4" name="Táblázat 3"/>
-          <p:cNvGraphicFramePr>
-            <a:graphicFrameLocks noGrp="1"/>
-          </p:cNvGraphicFramePr>
-          <p:nvPr>
-            <p:extLst>
-              <p:ext uri="{D42A27DB-BD31-4B8C-83A1-F6EECF244321}">
-                <p14:modId xmlns:p14="http://schemas.microsoft.com/office/powerpoint/2010/main" val="1893797822"/>
-              </p:ext>
-            </p:extLst>
-          </p:nvPr>
-        </p:nvGraphicFramePr>
-        <p:xfrm>
-          <a:off x="512201" y="1634068"/>
-          <a:ext cx="1646383" cy="1737360"/>
-        </p:xfrm>
-        <a:graphic>
-          <a:graphicData uri="http://schemas.openxmlformats.org/drawingml/2006/table">
-            <a:tbl>
-              <a:tblPr firstRow="1" bandRow="1">
-                <a:tableStyleId>{93296810-A885-4BE3-A3E7-6D5BEEA58F35}</a:tableStyleId>
-              </a:tblPr>
-              <a:tblGrid>
-                <a:gridCol w="1646383">
-                  <a:extLst>
-                    <a:ext uri="{9D8B030D-6E8A-4147-A177-3AD203B41FA5}">
-                      <a16:colId xmlns:a16="http://schemas.microsoft.com/office/drawing/2014/main" val="3837994128"/>
-                    </a:ext>
-                  </a:extLst>
-                </a:gridCol>
-              </a:tblGrid>
-              <a:tr h="331910">
-                <a:tc>
-                  <a:txBody>
-                    <a:bodyPr/>
-                    <a:lstStyle/>
-                    <a:p>
-                      <a:pPr marL="0" indent="0" algn="l" defTabSz="914400" rtl="0" eaLnBrk="1" latinLnBrk="0" hangingPunct="1">
-                        <a:buFontTx/>
-                        <a:buNone/>
-                      </a:pPr>
-                      <a:r>
-                        <a:rPr lang="en-GB" sz="3200" kern="1200" baseline="0" dirty="0" err="1" smtClean="0">
-                          <a:solidFill>
-                            <a:schemeClr val="dk1"/>
-                          </a:solidFill>
-                          <a:latin typeface="+mn-lt"/>
-                          <a:ea typeface="+mn-ea"/>
-                          <a:cs typeface="+mn-cs"/>
-                        </a:rPr>
-                        <a:t>IRules</a:t>
-                      </a:r>
-                      <a:endParaRPr lang="hu-HU" sz="3200" kern="1200" baseline="0" dirty="0">
-                        <a:solidFill>
-                          <a:schemeClr val="dk1"/>
-                        </a:solidFill>
-                        <a:latin typeface="+mn-lt"/>
-                        <a:ea typeface="+mn-ea"/>
-                        <a:cs typeface="+mn-cs"/>
-                      </a:endParaRPr>
-                    </a:p>
-                  </a:txBody>
-                  <a:tcPr/>
-                </a:tc>
-                <a:extLst>
-                  <a:ext uri="{0D108BD9-81ED-4DB2-BD59-A6C34878D82A}">
-                    <a16:rowId xmlns:a16="http://schemas.microsoft.com/office/drawing/2014/main" val="1516939996"/>
-                  </a:ext>
-                </a:extLst>
-              </a:tr>
-              <a:tr h="365120">
-                <a:tc>
-                  <a:txBody>
-                    <a:bodyPr/>
-                    <a:lstStyle/>
-                    <a:p>
-                      <a:pPr marL="0" indent="0" algn="l" defTabSz="914400" rtl="0" eaLnBrk="1" latinLnBrk="0" hangingPunct="1">
-                        <a:buFontTx/>
-                        <a:buNone/>
-                      </a:pPr>
-                      <a:endParaRPr lang="hu-HU" sz="3200" kern="1200" baseline="0" dirty="0">
-                        <a:solidFill>
-                          <a:schemeClr val="dk1"/>
-                        </a:solidFill>
-                        <a:latin typeface="+mn-lt"/>
-                        <a:ea typeface="+mn-ea"/>
-                        <a:cs typeface="+mn-cs"/>
-                      </a:endParaRPr>
-                    </a:p>
-                  </a:txBody>
-                  <a:tcPr/>
-                </a:tc>
-                <a:extLst>
-                  <a:ext uri="{0D108BD9-81ED-4DB2-BD59-A6C34878D82A}">
-                    <a16:rowId xmlns:a16="http://schemas.microsoft.com/office/drawing/2014/main" val="331748423"/>
-                  </a:ext>
-                </a:extLst>
-              </a:tr>
-              <a:tr h="487092">
-                <a:tc>
-                  <a:txBody>
-                    <a:bodyPr/>
-                    <a:lstStyle/>
-                    <a:p>
-                      <a:pPr marL="285750" indent="-285750" algn="l" defTabSz="914400" rtl="0" eaLnBrk="1" latinLnBrk="0" hangingPunct="1">
-                        <a:buFontTx/>
-                        <a:buChar char="-"/>
-                      </a:pPr>
-                      <a:r>
-                        <a:rPr lang="en-GB" sz="3200" kern="1200" baseline="0" dirty="0" smtClean="0">
-                          <a:solidFill>
-                            <a:schemeClr val="dk1"/>
-                          </a:solidFill>
-                          <a:latin typeface="+mn-lt"/>
-                          <a:ea typeface="+mn-ea"/>
-                          <a:cs typeface="+mn-cs"/>
-                        </a:rPr>
-                        <a:t>Deal</a:t>
-                      </a:r>
-                      <a:endParaRPr lang="hu-HU" sz="3200" kern="1200" baseline="0" dirty="0">
-                        <a:solidFill>
-                          <a:schemeClr val="dk1"/>
-                        </a:solidFill>
-                        <a:latin typeface="+mn-lt"/>
-                        <a:ea typeface="+mn-ea"/>
-                        <a:cs typeface="+mn-cs"/>
-                      </a:endParaRPr>
-                    </a:p>
-                  </a:txBody>
-                  <a:tcPr/>
-                </a:tc>
-                <a:extLst>
-                  <a:ext uri="{0D108BD9-81ED-4DB2-BD59-A6C34878D82A}">
-                    <a16:rowId xmlns:a16="http://schemas.microsoft.com/office/drawing/2014/main" val="439297282"/>
-                  </a:ext>
-                </a:extLst>
-              </a:tr>
-            </a:tbl>
-          </a:graphicData>
-        </a:graphic>
-      </p:graphicFrame>
-      <p:graphicFrame>
-        <p:nvGraphicFramePr>
-          <p:cNvPr id="6" name="Táblázat 5"/>
-          <p:cNvGraphicFramePr>
-            <a:graphicFrameLocks noGrp="1"/>
-          </p:cNvGraphicFramePr>
-          <p:nvPr>
-            <p:extLst>
-              <p:ext uri="{D42A27DB-BD31-4B8C-83A1-F6EECF244321}">
-                <p14:modId xmlns:p14="http://schemas.microsoft.com/office/powerpoint/2010/main" val="2250709085"/>
-              </p:ext>
-            </p:extLst>
-          </p:nvPr>
-        </p:nvGraphicFramePr>
-        <p:xfrm>
-          <a:off x="3276620" y="880193"/>
-          <a:ext cx="4182217" cy="5638800"/>
-        </p:xfrm>
-        <a:graphic>
-          <a:graphicData uri="http://schemas.openxmlformats.org/drawingml/2006/table">
-            <a:tbl>
-              <a:tblPr firstRow="1" bandRow="1">
-                <a:tableStyleId>{93296810-A885-4BE3-A3E7-6D5BEEA58F35}</a:tableStyleId>
-              </a:tblPr>
-              <a:tblGrid>
-                <a:gridCol w="4182217">
-                  <a:extLst>
-                    <a:ext uri="{9D8B030D-6E8A-4147-A177-3AD203B41FA5}">
-                      <a16:colId xmlns:a16="http://schemas.microsoft.com/office/drawing/2014/main" val="3837994128"/>
-                    </a:ext>
-                  </a:extLst>
-                </a:gridCol>
-              </a:tblGrid>
-              <a:tr h="524516">
-                <a:tc>
-                  <a:txBody>
-                    <a:bodyPr/>
-                    <a:lstStyle/>
-                    <a:p>
-                      <a:pPr marL="0" indent="0" algn="l" defTabSz="914400" rtl="0" eaLnBrk="1" latinLnBrk="0" hangingPunct="1">
-                        <a:buFontTx/>
-                        <a:buNone/>
-                      </a:pPr>
-                      <a:r>
-                        <a:rPr lang="en-GB" sz="3200" kern="1200" baseline="0" dirty="0" smtClean="0">
-                          <a:solidFill>
-                            <a:schemeClr val="dk1"/>
-                          </a:solidFill>
-                          <a:latin typeface="+mn-lt"/>
-                          <a:ea typeface="+mn-ea"/>
-                          <a:cs typeface="+mn-cs"/>
-                        </a:rPr>
-                        <a:t>Game</a:t>
-                      </a:r>
-                      <a:endParaRPr lang="hu-HU" sz="3200" kern="1200" baseline="0" dirty="0">
-                        <a:solidFill>
-                          <a:schemeClr val="dk1"/>
-                        </a:solidFill>
-                        <a:latin typeface="+mn-lt"/>
-                        <a:ea typeface="+mn-ea"/>
-                        <a:cs typeface="+mn-cs"/>
-                      </a:endParaRPr>
-                    </a:p>
-                  </a:txBody>
-                  <a:tcPr/>
-                </a:tc>
-                <a:extLst>
-                  <a:ext uri="{0D108BD9-81ED-4DB2-BD59-A6C34878D82A}">
-                    <a16:rowId xmlns:a16="http://schemas.microsoft.com/office/drawing/2014/main" val="1516939996"/>
-                  </a:ext>
-                </a:extLst>
-              </a:tr>
-              <a:tr h="1519363">
-                <a:tc>
-                  <a:txBody>
-                    <a:bodyPr/>
-                    <a:lstStyle/>
-                    <a:p>
-                      <a:pPr marL="285750" indent="-285750" algn="l" defTabSz="914400" rtl="0" eaLnBrk="1" latinLnBrk="0" hangingPunct="1">
-                        <a:buFontTx/>
-                        <a:buChar char="-"/>
-                      </a:pPr>
-                      <a:r>
-                        <a:rPr lang="en-GB" sz="3200" kern="1200" baseline="0" dirty="0" smtClean="0">
-                          <a:solidFill>
-                            <a:schemeClr val="dk1"/>
-                          </a:solidFill>
-                          <a:latin typeface="+mn-lt"/>
-                          <a:ea typeface="+mn-ea"/>
-                          <a:cs typeface="+mn-cs"/>
-                        </a:rPr>
-                        <a:t>Players</a:t>
-                      </a:r>
-                    </a:p>
-                    <a:p>
-                      <a:pPr marL="742950" lvl="1" indent="-285750" algn="l" defTabSz="914400" rtl="0" eaLnBrk="1" latinLnBrk="0" hangingPunct="1">
-                        <a:buFontTx/>
-                        <a:buChar char="-"/>
-                      </a:pPr>
-                      <a:r>
-                        <a:rPr lang="en-GB" sz="3200" kern="1200" baseline="0" dirty="0" smtClean="0">
-                          <a:solidFill>
-                            <a:schemeClr val="dk1"/>
-                          </a:solidFill>
-                          <a:latin typeface="+mn-lt"/>
-                          <a:ea typeface="+mn-ea"/>
-                          <a:cs typeface="+mn-cs"/>
-                        </a:rPr>
-                        <a:t>List&lt;Player&gt;</a:t>
-                      </a:r>
-                    </a:p>
-                    <a:p>
-                      <a:pPr marL="285750" lvl="0" indent="-285750" algn="l" defTabSz="914400" rtl="0" eaLnBrk="1" latinLnBrk="0" hangingPunct="1">
-                        <a:buFontTx/>
-                        <a:buChar char="-"/>
-                      </a:pPr>
-                      <a:r>
-                        <a:rPr lang="en-GB" sz="3200" kern="1200" baseline="0" dirty="0" smtClean="0">
-                          <a:solidFill>
-                            <a:schemeClr val="dk1"/>
-                          </a:solidFill>
-                          <a:latin typeface="+mn-lt"/>
-                          <a:ea typeface="+mn-ea"/>
-                          <a:cs typeface="+mn-cs"/>
-                        </a:rPr>
-                        <a:t>Deck</a:t>
-                      </a:r>
-                    </a:p>
-                    <a:p>
-                      <a:pPr marL="285750" lvl="0" indent="-285750" algn="l" defTabSz="914400" rtl="0" eaLnBrk="1" latinLnBrk="0" hangingPunct="1">
-                        <a:buFontTx/>
-                        <a:buChar char="-"/>
-                      </a:pPr>
-                      <a:r>
-                        <a:rPr lang="en-GB" sz="3200" kern="1200" baseline="0" dirty="0" smtClean="0">
-                          <a:solidFill>
-                            <a:schemeClr val="dk1"/>
-                          </a:solidFill>
-                          <a:latin typeface="+mn-lt"/>
-                          <a:ea typeface="+mn-ea"/>
-                          <a:cs typeface="+mn-cs"/>
-                        </a:rPr>
-                        <a:t>Value of Cards</a:t>
-                      </a:r>
-                    </a:p>
-                    <a:p>
-                      <a:pPr marL="742950" lvl="1" indent="-285750" algn="l" defTabSz="914400" rtl="0" eaLnBrk="1" latinLnBrk="0" hangingPunct="1">
-                        <a:buFontTx/>
-                        <a:buChar char="-"/>
-                      </a:pPr>
-                      <a:r>
-                        <a:rPr lang="en-GB" sz="3200" kern="1200" baseline="0" dirty="0" err="1" smtClean="0">
-                          <a:solidFill>
-                            <a:schemeClr val="dk1"/>
-                          </a:solidFill>
-                          <a:latin typeface="+mn-lt"/>
-                          <a:ea typeface="+mn-ea"/>
-                          <a:cs typeface="+mn-cs"/>
-                        </a:rPr>
-                        <a:t>Dict</a:t>
-                      </a:r>
-                      <a:r>
-                        <a:rPr lang="en-GB" sz="3200" kern="1200" baseline="0" dirty="0" smtClean="0">
-                          <a:solidFill>
-                            <a:schemeClr val="dk1"/>
-                          </a:solidFill>
-                          <a:latin typeface="+mn-lt"/>
-                          <a:ea typeface="+mn-ea"/>
-                          <a:cs typeface="+mn-cs"/>
-                        </a:rPr>
-                        <a:t>&lt;</a:t>
-                      </a:r>
-                      <a:r>
-                        <a:rPr lang="en-GB" sz="3200" kern="1200" baseline="0" dirty="0" err="1" smtClean="0">
-                          <a:solidFill>
-                            <a:schemeClr val="dk1"/>
-                          </a:solidFill>
-                          <a:latin typeface="+mn-lt"/>
-                          <a:ea typeface="+mn-ea"/>
-                          <a:cs typeface="+mn-cs"/>
-                        </a:rPr>
-                        <a:t>string,int</a:t>
-                      </a:r>
-                      <a:r>
-                        <a:rPr lang="en-GB" sz="3200" kern="1200" baseline="0" dirty="0" smtClean="0">
-                          <a:solidFill>
-                            <a:schemeClr val="dk1"/>
-                          </a:solidFill>
-                          <a:latin typeface="+mn-lt"/>
-                          <a:ea typeface="+mn-ea"/>
-                          <a:cs typeface="+mn-cs"/>
-                        </a:rPr>
-                        <a:t>[]&gt;</a:t>
-                      </a:r>
-                    </a:p>
-                  </a:txBody>
-                  <a:tcPr/>
-                </a:tc>
-                <a:extLst>
-                  <a:ext uri="{0D108BD9-81ED-4DB2-BD59-A6C34878D82A}">
-                    <a16:rowId xmlns:a16="http://schemas.microsoft.com/office/drawing/2014/main" val="331748423"/>
-                  </a:ext>
-                </a:extLst>
-              </a:tr>
-              <a:tr h="1139216">
-                <a:tc>
-                  <a:txBody>
-                    <a:bodyPr/>
-                    <a:lstStyle/>
-                    <a:p>
-                      <a:pPr marL="285750" indent="-285750" algn="l" defTabSz="914400" rtl="0" eaLnBrk="1" latinLnBrk="0" hangingPunct="1">
-                        <a:buFontTx/>
-                        <a:buChar char="-"/>
-                      </a:pPr>
-                      <a:r>
-                        <a:rPr lang="en-GB" sz="3200" kern="1200" baseline="0" dirty="0" smtClean="0">
-                          <a:solidFill>
-                            <a:schemeClr val="dk1"/>
-                          </a:solidFill>
-                          <a:latin typeface="+mn-lt"/>
-                          <a:ea typeface="+mn-ea"/>
-                          <a:cs typeface="+mn-cs"/>
-                        </a:rPr>
-                        <a:t>Deal</a:t>
-                      </a:r>
-                    </a:p>
-                    <a:p>
-                      <a:pPr marL="285750" indent="-285750" algn="l" defTabSz="914400" rtl="0" eaLnBrk="1" latinLnBrk="0" hangingPunct="1">
-                        <a:buFontTx/>
-                        <a:buChar char="-"/>
-                      </a:pPr>
-                      <a:r>
-                        <a:rPr lang="en-GB" sz="3200" kern="1200" baseline="0" dirty="0" smtClean="0">
-                          <a:solidFill>
-                            <a:schemeClr val="dk1"/>
-                          </a:solidFill>
-                          <a:latin typeface="+mn-lt"/>
-                          <a:ea typeface="+mn-ea"/>
-                          <a:cs typeface="+mn-cs"/>
-                        </a:rPr>
-                        <a:t>Value of hand</a:t>
-                      </a:r>
-                    </a:p>
-                    <a:p>
-                      <a:pPr marL="742950" lvl="1" indent="-285750" algn="l" defTabSz="914400" rtl="0" eaLnBrk="1" latinLnBrk="0" hangingPunct="1">
-                        <a:buFontTx/>
-                        <a:buChar char="-"/>
-                      </a:pPr>
-                      <a:r>
-                        <a:rPr lang="en-GB" sz="3200" kern="1200" baseline="0" dirty="0" smtClean="0">
-                          <a:solidFill>
-                            <a:srgbClr val="FF0000"/>
-                          </a:solidFill>
-                          <a:latin typeface="+mn-lt"/>
-                          <a:ea typeface="+mn-ea"/>
-                          <a:cs typeface="+mn-cs"/>
-                        </a:rPr>
-                        <a:t>Best possible value</a:t>
-                      </a:r>
-                    </a:p>
-                    <a:p>
-                      <a:pPr marL="285750" lvl="0" indent="-285750" algn="l" defTabSz="914400" rtl="0" eaLnBrk="1" latinLnBrk="0" hangingPunct="1">
-                        <a:buFontTx/>
-                        <a:buChar char="-"/>
-                      </a:pPr>
-                      <a:r>
-                        <a:rPr lang="en-GB" sz="3200" kern="1200" baseline="0" dirty="0" smtClean="0">
-                          <a:solidFill>
-                            <a:schemeClr val="accent5">
-                              <a:lumMod val="75000"/>
-                            </a:schemeClr>
-                          </a:solidFill>
-                          <a:latin typeface="+mn-lt"/>
-                          <a:ea typeface="+mn-ea"/>
-                          <a:cs typeface="+mn-cs"/>
-                        </a:rPr>
-                        <a:t>Compare hands</a:t>
-                      </a:r>
-                    </a:p>
-                    <a:p>
-                      <a:pPr marL="285750" lvl="0" indent="-285750" algn="l" defTabSz="914400" rtl="0" eaLnBrk="1" latinLnBrk="0" hangingPunct="1">
-                        <a:buFontTx/>
-                        <a:buChar char="-"/>
-                      </a:pPr>
-                      <a:r>
-                        <a:rPr lang="en-GB" sz="3200" kern="1200" baseline="0" dirty="0" smtClean="0">
-                          <a:solidFill>
-                            <a:schemeClr val="accent5">
-                              <a:lumMod val="75000"/>
-                            </a:schemeClr>
-                          </a:solidFill>
-                          <a:latin typeface="+mn-lt"/>
-                          <a:ea typeface="+mn-ea"/>
-                          <a:cs typeface="+mn-cs"/>
-                        </a:rPr>
-                        <a:t>Win or lose?</a:t>
-                      </a:r>
-                    </a:p>
-                  </a:txBody>
-                  <a:tcPr/>
-                </a:tc>
-                <a:extLst>
-                  <a:ext uri="{0D108BD9-81ED-4DB2-BD59-A6C34878D82A}">
-                    <a16:rowId xmlns:a16="http://schemas.microsoft.com/office/drawing/2014/main" val="439297282"/>
-                  </a:ext>
-                </a:extLst>
-              </a:tr>
-            </a:tbl>
-          </a:graphicData>
-        </a:graphic>
-      </p:graphicFrame>
-      <p:cxnSp>
-        <p:nvCxnSpPr>
-          <p:cNvPr id="14" name="Egyenes összekötő nyíllal 13"/>
-          <p:cNvCxnSpPr/>
-          <p:nvPr/>
-        </p:nvCxnSpPr>
-        <p:spPr>
-          <a:xfrm>
-            <a:off x="2158584" y="2794788"/>
-            <a:ext cx="1094282" cy="0"/>
-          </a:xfrm>
-          <a:prstGeom prst="straightConnector1">
-            <a:avLst/>
-          </a:prstGeom>
-          <a:ln w="76200" cap="flat" cmpd="sng" algn="ctr">
-            <a:solidFill>
-              <a:schemeClr val="dk1"/>
-            </a:solidFill>
-            <a:prstDash val="solid"/>
-            <a:round/>
-            <a:headEnd type="none" w="med" len="med"/>
-            <a:tailEnd type="arrow" w="med" len="med"/>
-          </a:ln>
-        </p:spPr>
-        <p:style>
-          <a:lnRef idx="0">
-            <a:scrgbClr r="0" g="0" b="0"/>
-          </a:lnRef>
-          <a:fillRef idx="0">
-            <a:scrgbClr r="0" g="0" b="0"/>
-          </a:fillRef>
-          <a:effectRef idx="0">
-            <a:scrgbClr r="0" g="0" b="0"/>
-          </a:effectRef>
-          <a:fontRef idx="minor">
-            <a:schemeClr val="tx1"/>
-          </a:fontRef>
-        </p:style>
-      </p:cxnSp>
-      <p:cxnSp>
-        <p:nvCxnSpPr>
-          <p:cNvPr id="16" name="Egyenes összekötő nyíllal 15"/>
-          <p:cNvCxnSpPr/>
-          <p:nvPr/>
-        </p:nvCxnSpPr>
-        <p:spPr>
-          <a:xfrm flipH="1" flipV="1">
-            <a:off x="7458837" y="2794787"/>
-            <a:ext cx="1118037" cy="1"/>
-          </a:xfrm>
-          <a:prstGeom prst="straightConnector1">
-            <a:avLst/>
-          </a:prstGeom>
-          <a:ln w="76200" cap="flat" cmpd="sng" algn="ctr">
-            <a:solidFill>
-              <a:schemeClr val="dk1"/>
-            </a:solidFill>
-            <a:prstDash val="solid"/>
-            <a:round/>
-            <a:headEnd type="none" w="med" len="med"/>
-            <a:tailEnd type="arrow" w="med" len="med"/>
-          </a:ln>
-        </p:spPr>
-        <p:style>
-          <a:lnRef idx="0">
-            <a:scrgbClr r="0" g="0" b="0"/>
-          </a:lnRef>
-          <a:fillRef idx="0">
-            <a:scrgbClr r="0" g="0" b="0"/>
-          </a:fillRef>
-          <a:effectRef idx="0">
-            <a:scrgbClr r="0" g="0" b="0"/>
-          </a:effectRef>
-          <a:fontRef idx="minor">
-            <a:schemeClr val="tx1"/>
-          </a:fontRef>
-        </p:style>
-      </p:cxnSp>
-      <p:graphicFrame>
-        <p:nvGraphicFramePr>
-          <p:cNvPr id="9" name="Táblázat 8"/>
-          <p:cNvGraphicFramePr>
-            <a:graphicFrameLocks noGrp="1"/>
-          </p:cNvGraphicFramePr>
-          <p:nvPr>
-            <p:extLst>
-              <p:ext uri="{D42A27DB-BD31-4B8C-83A1-F6EECF244321}">
-                <p14:modId xmlns:p14="http://schemas.microsoft.com/office/powerpoint/2010/main" val="491912802"/>
-              </p:ext>
-            </p:extLst>
-          </p:nvPr>
-        </p:nvGraphicFramePr>
-        <p:xfrm>
-          <a:off x="8576873" y="1756488"/>
-          <a:ext cx="3064181" cy="2225040"/>
-        </p:xfrm>
-        <a:graphic>
-          <a:graphicData uri="http://schemas.openxmlformats.org/drawingml/2006/table">
-            <a:tbl>
-              <a:tblPr firstRow="1" bandRow="1">
-                <a:tableStyleId>{93296810-A885-4BE3-A3E7-6D5BEEA58F35}</a:tableStyleId>
-              </a:tblPr>
-              <a:tblGrid>
-                <a:gridCol w="3064181">
-                  <a:extLst>
-                    <a:ext uri="{9D8B030D-6E8A-4147-A177-3AD203B41FA5}">
-                      <a16:colId xmlns:a16="http://schemas.microsoft.com/office/drawing/2014/main" val="3837994128"/>
-                    </a:ext>
-                  </a:extLst>
-                </a:gridCol>
-              </a:tblGrid>
-              <a:tr h="331910">
-                <a:tc>
-                  <a:txBody>
-                    <a:bodyPr/>
-                    <a:lstStyle/>
-                    <a:p>
-                      <a:pPr marL="0" indent="0" algn="l" defTabSz="914400" rtl="0" eaLnBrk="1" latinLnBrk="0" hangingPunct="1">
-                        <a:buFontTx/>
-                        <a:buNone/>
-                      </a:pPr>
-                      <a:r>
-                        <a:rPr lang="en-GB" sz="3200" kern="1200" baseline="0" dirty="0" smtClean="0">
-                          <a:solidFill>
-                            <a:schemeClr val="dk1"/>
-                          </a:solidFill>
-                          <a:latin typeface="+mn-lt"/>
-                          <a:ea typeface="+mn-ea"/>
-                          <a:cs typeface="+mn-cs"/>
-                        </a:rPr>
-                        <a:t>Player</a:t>
-                      </a:r>
-                      <a:endParaRPr lang="hu-HU" sz="3200" kern="1200" baseline="0" dirty="0">
-                        <a:solidFill>
-                          <a:schemeClr val="dk1"/>
-                        </a:solidFill>
-                        <a:latin typeface="+mn-lt"/>
-                        <a:ea typeface="+mn-ea"/>
-                        <a:cs typeface="+mn-cs"/>
-                      </a:endParaRPr>
-                    </a:p>
-                  </a:txBody>
-                  <a:tcPr/>
-                </a:tc>
-                <a:extLst>
-                  <a:ext uri="{0D108BD9-81ED-4DB2-BD59-A6C34878D82A}">
-                    <a16:rowId xmlns:a16="http://schemas.microsoft.com/office/drawing/2014/main" val="1516939996"/>
-                  </a:ext>
-                </a:extLst>
-              </a:tr>
-              <a:tr h="365120">
-                <a:tc>
-                  <a:txBody>
-                    <a:bodyPr/>
-                    <a:lstStyle/>
-                    <a:p>
-                      <a:pPr marL="457200" indent="-457200" algn="l" defTabSz="914400" rtl="0" eaLnBrk="1" latinLnBrk="0" hangingPunct="1">
-                        <a:buFontTx/>
-                        <a:buChar char="-"/>
-                      </a:pPr>
-                      <a:r>
-                        <a:rPr lang="en-GB" sz="3200" kern="1200" baseline="0" dirty="0" smtClean="0">
-                          <a:solidFill>
-                            <a:schemeClr val="dk1"/>
-                          </a:solidFill>
-                          <a:latin typeface="+mn-lt"/>
-                          <a:ea typeface="+mn-ea"/>
-                          <a:cs typeface="+mn-cs"/>
-                        </a:rPr>
-                        <a:t>Hand</a:t>
-                      </a:r>
-                    </a:p>
-                    <a:p>
-                      <a:pPr marL="914400" lvl="1" indent="-457200" algn="l" defTabSz="914400" rtl="0" eaLnBrk="1" latinLnBrk="0" hangingPunct="1">
-                        <a:buFontTx/>
-                        <a:buChar char="-"/>
-                      </a:pPr>
-                      <a:r>
-                        <a:rPr lang="en-GB" sz="3200" kern="1200" baseline="0" dirty="0" smtClean="0">
-                          <a:solidFill>
-                            <a:schemeClr val="dk1"/>
-                          </a:solidFill>
-                          <a:latin typeface="+mn-lt"/>
-                          <a:ea typeface="+mn-ea"/>
-                          <a:cs typeface="+mn-cs"/>
-                        </a:rPr>
-                        <a:t>List&lt;Card&gt;</a:t>
-                      </a:r>
-                      <a:endParaRPr lang="hu-HU" sz="3200" kern="1200" baseline="0" dirty="0">
-                        <a:solidFill>
-                          <a:schemeClr val="dk1"/>
-                        </a:solidFill>
-                        <a:latin typeface="+mn-lt"/>
-                        <a:ea typeface="+mn-ea"/>
-                        <a:cs typeface="+mn-cs"/>
-                      </a:endParaRPr>
-                    </a:p>
-                  </a:txBody>
-                  <a:tcPr/>
-                </a:tc>
-                <a:extLst>
-                  <a:ext uri="{0D108BD9-81ED-4DB2-BD59-A6C34878D82A}">
-                    <a16:rowId xmlns:a16="http://schemas.microsoft.com/office/drawing/2014/main" val="331748423"/>
-                  </a:ext>
-                </a:extLst>
-              </a:tr>
-              <a:tr h="487092">
-                <a:tc>
-                  <a:txBody>
-                    <a:bodyPr/>
-                    <a:lstStyle/>
-                    <a:p>
-                      <a:pPr marL="285750" indent="-285750" algn="l" defTabSz="914400" rtl="0" eaLnBrk="1" latinLnBrk="0" hangingPunct="1">
-                        <a:buFontTx/>
-                        <a:buChar char="-"/>
-                      </a:pPr>
-                      <a:r>
-                        <a:rPr lang="en-GB" sz="3200" kern="1200" baseline="0" dirty="0" smtClean="0">
-                          <a:solidFill>
-                            <a:schemeClr val="dk1"/>
-                          </a:solidFill>
-                          <a:latin typeface="+mn-lt"/>
-                          <a:ea typeface="+mn-ea"/>
-                          <a:cs typeface="+mn-cs"/>
-                        </a:rPr>
-                        <a:t>Pull a card</a:t>
-                      </a:r>
-                      <a:endParaRPr lang="hu-HU" sz="3200" kern="1200" baseline="0" dirty="0">
-                        <a:solidFill>
-                          <a:schemeClr val="dk1"/>
-                        </a:solidFill>
-                        <a:latin typeface="+mn-lt"/>
-                        <a:ea typeface="+mn-ea"/>
-                        <a:cs typeface="+mn-cs"/>
-                      </a:endParaRPr>
-                    </a:p>
-                  </a:txBody>
-                  <a:tcPr/>
-                </a:tc>
-                <a:extLst>
-                  <a:ext uri="{0D108BD9-81ED-4DB2-BD59-A6C34878D82A}">
-                    <a16:rowId xmlns:a16="http://schemas.microsoft.com/office/drawing/2014/main" val="439297282"/>
-                  </a:ext>
-                </a:extLst>
-              </a:tr>
-            </a:tbl>
-          </a:graphicData>
-        </a:graphic>
-      </p:graphicFrame>
-      <p:graphicFrame>
-        <p:nvGraphicFramePr>
-          <p:cNvPr id="10" name="Táblázat 9"/>
-          <p:cNvGraphicFramePr>
-            <a:graphicFrameLocks noGrp="1"/>
-          </p:cNvGraphicFramePr>
-          <p:nvPr>
-            <p:extLst>
-              <p:ext uri="{D42A27DB-BD31-4B8C-83A1-F6EECF244321}">
-                <p14:modId xmlns:p14="http://schemas.microsoft.com/office/powerpoint/2010/main" val="2519952566"/>
-              </p:ext>
-            </p:extLst>
-          </p:nvPr>
-        </p:nvGraphicFramePr>
-        <p:xfrm>
-          <a:off x="8462581" y="4679570"/>
-          <a:ext cx="1370968" cy="1737360"/>
-        </p:xfrm>
-        <a:graphic>
-          <a:graphicData uri="http://schemas.openxmlformats.org/drawingml/2006/table">
-            <a:tbl>
-              <a:tblPr firstRow="1" bandRow="1">
-                <a:tableStyleId>{93296810-A885-4BE3-A3E7-6D5BEEA58F35}</a:tableStyleId>
-              </a:tblPr>
-              <a:tblGrid>
-                <a:gridCol w="1370968">
-                  <a:extLst>
-                    <a:ext uri="{9D8B030D-6E8A-4147-A177-3AD203B41FA5}">
-                      <a16:colId xmlns:a16="http://schemas.microsoft.com/office/drawing/2014/main" val="3837994128"/>
-                    </a:ext>
-                  </a:extLst>
-                </a:gridCol>
-              </a:tblGrid>
-              <a:tr h="331910">
-                <a:tc>
-                  <a:txBody>
-                    <a:bodyPr/>
-                    <a:lstStyle/>
-                    <a:p>
-                      <a:pPr marL="0" indent="0" algn="l" defTabSz="914400" rtl="0" eaLnBrk="1" latinLnBrk="0" hangingPunct="1">
-                        <a:buFontTx/>
-                        <a:buNone/>
-                      </a:pPr>
-                      <a:r>
-                        <a:rPr lang="en-GB" sz="3200" kern="1200" baseline="0" dirty="0" smtClean="0">
-                          <a:solidFill>
-                            <a:schemeClr val="dk1"/>
-                          </a:solidFill>
-                          <a:latin typeface="+mn-lt"/>
-                          <a:ea typeface="+mn-ea"/>
-                          <a:cs typeface="+mn-cs"/>
-                        </a:rPr>
-                        <a:t>User</a:t>
-                      </a:r>
-                      <a:endParaRPr lang="hu-HU" sz="3200" kern="1200" baseline="0" dirty="0">
-                        <a:solidFill>
-                          <a:schemeClr val="dk1"/>
-                        </a:solidFill>
-                        <a:latin typeface="+mn-lt"/>
-                        <a:ea typeface="+mn-ea"/>
-                        <a:cs typeface="+mn-cs"/>
-                      </a:endParaRPr>
-                    </a:p>
-                  </a:txBody>
-                  <a:tcPr/>
-                </a:tc>
-                <a:extLst>
-                  <a:ext uri="{0D108BD9-81ED-4DB2-BD59-A6C34878D82A}">
-                    <a16:rowId xmlns:a16="http://schemas.microsoft.com/office/drawing/2014/main" val="1516939996"/>
-                  </a:ext>
-                </a:extLst>
-              </a:tr>
-              <a:tr h="365120">
-                <a:tc>
-                  <a:txBody>
-                    <a:bodyPr/>
-                    <a:lstStyle/>
-                    <a:p>
-                      <a:pPr marL="0" indent="0" algn="l" defTabSz="914400" rtl="0" eaLnBrk="1" latinLnBrk="0" hangingPunct="1">
-                        <a:buFontTx/>
-                        <a:buNone/>
-                      </a:pPr>
-                      <a:endParaRPr lang="hu-HU" sz="3200" kern="1200" baseline="0" dirty="0">
-                        <a:solidFill>
-                          <a:schemeClr val="dk1"/>
-                        </a:solidFill>
-                        <a:latin typeface="+mn-lt"/>
-                        <a:ea typeface="+mn-ea"/>
-                        <a:cs typeface="+mn-cs"/>
-                      </a:endParaRPr>
-                    </a:p>
-                  </a:txBody>
-                  <a:tcPr/>
-                </a:tc>
-                <a:extLst>
-                  <a:ext uri="{0D108BD9-81ED-4DB2-BD59-A6C34878D82A}">
-                    <a16:rowId xmlns:a16="http://schemas.microsoft.com/office/drawing/2014/main" val="331748423"/>
-                  </a:ext>
-                </a:extLst>
-              </a:tr>
-              <a:tr h="487092">
-                <a:tc>
-                  <a:txBody>
-                    <a:bodyPr/>
-                    <a:lstStyle/>
-                    <a:p>
-                      <a:pPr marL="0" indent="0" algn="l" defTabSz="914400" rtl="0" eaLnBrk="1" latinLnBrk="0" hangingPunct="1">
-                        <a:buFontTx/>
-                        <a:buNone/>
-                      </a:pPr>
-                      <a:endParaRPr lang="hu-HU" sz="3200" kern="1200" baseline="0" dirty="0">
-                        <a:solidFill>
-                          <a:schemeClr val="dk1"/>
-                        </a:solidFill>
-                        <a:latin typeface="+mn-lt"/>
-                        <a:ea typeface="+mn-ea"/>
-                        <a:cs typeface="+mn-cs"/>
-                      </a:endParaRPr>
-                    </a:p>
-                  </a:txBody>
-                  <a:tcPr/>
-                </a:tc>
-                <a:extLst>
-                  <a:ext uri="{0D108BD9-81ED-4DB2-BD59-A6C34878D82A}">
-                    <a16:rowId xmlns:a16="http://schemas.microsoft.com/office/drawing/2014/main" val="439297282"/>
-                  </a:ext>
-                </a:extLst>
-              </a:tr>
-            </a:tbl>
-          </a:graphicData>
-        </a:graphic>
-      </p:graphicFrame>
-      <p:graphicFrame>
-        <p:nvGraphicFramePr>
-          <p:cNvPr id="11" name="Táblázat 10"/>
-          <p:cNvGraphicFramePr>
-            <a:graphicFrameLocks noGrp="1"/>
-          </p:cNvGraphicFramePr>
-          <p:nvPr>
-            <p:extLst>
-              <p:ext uri="{D42A27DB-BD31-4B8C-83A1-F6EECF244321}">
-                <p14:modId xmlns:p14="http://schemas.microsoft.com/office/powerpoint/2010/main" val="2524300677"/>
-              </p:ext>
-            </p:extLst>
-          </p:nvPr>
-        </p:nvGraphicFramePr>
-        <p:xfrm>
-          <a:off x="10308831" y="4679570"/>
-          <a:ext cx="1370968" cy="1737360"/>
-        </p:xfrm>
-        <a:graphic>
-          <a:graphicData uri="http://schemas.openxmlformats.org/drawingml/2006/table">
-            <a:tbl>
-              <a:tblPr firstRow="1" bandRow="1">
-                <a:tableStyleId>{93296810-A885-4BE3-A3E7-6D5BEEA58F35}</a:tableStyleId>
-              </a:tblPr>
-              <a:tblGrid>
-                <a:gridCol w="1370968">
-                  <a:extLst>
-                    <a:ext uri="{9D8B030D-6E8A-4147-A177-3AD203B41FA5}">
-                      <a16:colId xmlns:a16="http://schemas.microsoft.com/office/drawing/2014/main" val="3837994128"/>
-                    </a:ext>
-                  </a:extLst>
-                </a:gridCol>
-              </a:tblGrid>
-              <a:tr h="331910">
-                <a:tc>
-                  <a:txBody>
-                    <a:bodyPr/>
-                    <a:lstStyle/>
-                    <a:p>
-                      <a:pPr marL="0" indent="0" algn="l" defTabSz="914400" rtl="0" eaLnBrk="1" latinLnBrk="0" hangingPunct="1">
-                        <a:buFontTx/>
-                        <a:buNone/>
-                      </a:pPr>
-                      <a:r>
-                        <a:rPr lang="en-GB" sz="3200" kern="1200" baseline="0" dirty="0" smtClean="0">
-                          <a:solidFill>
-                            <a:schemeClr val="dk1"/>
-                          </a:solidFill>
-                          <a:latin typeface="+mn-lt"/>
-                          <a:ea typeface="+mn-ea"/>
-                          <a:cs typeface="+mn-cs"/>
-                        </a:rPr>
-                        <a:t>Comp</a:t>
-                      </a:r>
-                      <a:endParaRPr lang="hu-HU" sz="3200" kern="1200" baseline="0" dirty="0">
-                        <a:solidFill>
-                          <a:schemeClr val="dk1"/>
-                        </a:solidFill>
-                        <a:latin typeface="+mn-lt"/>
-                        <a:ea typeface="+mn-ea"/>
-                        <a:cs typeface="+mn-cs"/>
-                      </a:endParaRPr>
-                    </a:p>
-                  </a:txBody>
-                  <a:tcPr/>
-                </a:tc>
-                <a:extLst>
-                  <a:ext uri="{0D108BD9-81ED-4DB2-BD59-A6C34878D82A}">
-                    <a16:rowId xmlns:a16="http://schemas.microsoft.com/office/drawing/2014/main" val="1516939996"/>
-                  </a:ext>
-                </a:extLst>
-              </a:tr>
-              <a:tr h="365120">
-                <a:tc>
-                  <a:txBody>
-                    <a:bodyPr/>
-                    <a:lstStyle/>
-                    <a:p>
-                      <a:pPr marL="0" indent="0" algn="l" defTabSz="914400" rtl="0" eaLnBrk="1" latinLnBrk="0" hangingPunct="1">
-                        <a:buFontTx/>
-                        <a:buNone/>
-                      </a:pPr>
-                      <a:endParaRPr lang="hu-HU" sz="3200" kern="1200" baseline="0" dirty="0">
-                        <a:solidFill>
-                          <a:schemeClr val="dk1"/>
-                        </a:solidFill>
-                        <a:latin typeface="+mn-lt"/>
-                        <a:ea typeface="+mn-ea"/>
-                        <a:cs typeface="+mn-cs"/>
-                      </a:endParaRPr>
-                    </a:p>
-                  </a:txBody>
-                  <a:tcPr/>
-                </a:tc>
-                <a:extLst>
-                  <a:ext uri="{0D108BD9-81ED-4DB2-BD59-A6C34878D82A}">
-                    <a16:rowId xmlns:a16="http://schemas.microsoft.com/office/drawing/2014/main" val="331748423"/>
-                  </a:ext>
-                </a:extLst>
-              </a:tr>
-              <a:tr h="487092">
-                <a:tc>
-                  <a:txBody>
-                    <a:bodyPr/>
-                    <a:lstStyle/>
-                    <a:p>
-                      <a:pPr marL="0" indent="0" algn="l" defTabSz="914400" rtl="0" eaLnBrk="1" latinLnBrk="0" hangingPunct="1">
-                        <a:buFontTx/>
-                        <a:buNone/>
-                      </a:pPr>
-                      <a:endParaRPr lang="hu-HU" sz="3200" kern="1200" baseline="0" dirty="0">
-                        <a:solidFill>
-                          <a:schemeClr val="dk1"/>
-                        </a:solidFill>
-                        <a:latin typeface="+mn-lt"/>
-                        <a:ea typeface="+mn-ea"/>
-                        <a:cs typeface="+mn-cs"/>
-                      </a:endParaRPr>
-                    </a:p>
-                  </a:txBody>
-                  <a:tcPr/>
-                </a:tc>
-                <a:extLst>
-                  <a:ext uri="{0D108BD9-81ED-4DB2-BD59-A6C34878D82A}">
-                    <a16:rowId xmlns:a16="http://schemas.microsoft.com/office/drawing/2014/main" val="439297282"/>
-                  </a:ext>
-                </a:extLst>
-              </a:tr>
-            </a:tbl>
-          </a:graphicData>
-        </a:graphic>
-      </p:graphicFrame>
-      <p:cxnSp>
-        <p:nvCxnSpPr>
-          <p:cNvPr id="12" name="Egyenes összekötő nyíllal 11"/>
-          <p:cNvCxnSpPr>
-            <a:stCxn id="10" idx="0"/>
-          </p:cNvCxnSpPr>
-          <p:nvPr/>
-        </p:nvCxnSpPr>
-        <p:spPr>
-          <a:xfrm flipH="1" flipV="1">
-            <a:off x="9130576" y="3981528"/>
-            <a:ext cx="17489" cy="698042"/>
-          </a:xfrm>
-          <a:prstGeom prst="straightConnector1">
-            <a:avLst/>
-          </a:prstGeom>
-          <a:ln w="76200" cap="flat" cmpd="sng" algn="ctr">
-            <a:solidFill>
-              <a:schemeClr val="dk1"/>
-            </a:solidFill>
-            <a:prstDash val="solid"/>
-            <a:round/>
-            <a:headEnd type="none" w="med" len="med"/>
-            <a:tailEnd type="arrow" w="med" len="med"/>
-          </a:ln>
-        </p:spPr>
-        <p:style>
-          <a:lnRef idx="0">
-            <a:scrgbClr r="0" g="0" b="0"/>
-          </a:lnRef>
-          <a:fillRef idx="0">
-            <a:scrgbClr r="0" g="0" b="0"/>
-          </a:fillRef>
-          <a:effectRef idx="0">
-            <a:scrgbClr r="0" g="0" b="0"/>
-          </a:effectRef>
-          <a:fontRef idx="minor">
-            <a:schemeClr val="tx1"/>
-          </a:fontRef>
-        </p:style>
-      </p:cxnSp>
-      <p:cxnSp>
-        <p:nvCxnSpPr>
-          <p:cNvPr id="15" name="Egyenes összekötő nyíllal 14"/>
-          <p:cNvCxnSpPr/>
-          <p:nvPr/>
-        </p:nvCxnSpPr>
-        <p:spPr>
-          <a:xfrm flipH="1" flipV="1">
-            <a:off x="10837293" y="3981528"/>
-            <a:ext cx="17489" cy="698042"/>
-          </a:xfrm>
-          <a:prstGeom prst="straightConnector1">
-            <a:avLst/>
-          </a:prstGeom>
-          <a:ln w="76200" cap="flat" cmpd="sng" algn="ctr">
-            <a:solidFill>
-              <a:schemeClr val="dk1"/>
-            </a:solidFill>
-            <a:prstDash val="solid"/>
-            <a:round/>
-            <a:headEnd type="none" w="med" len="med"/>
-            <a:tailEnd type="arrow" w="med" len="med"/>
-          </a:ln>
-        </p:spPr>
-        <p:style>
-          <a:lnRef idx="0">
-            <a:scrgbClr r="0" g="0" b="0"/>
-          </a:lnRef>
-          <a:fillRef idx="0">
-            <a:scrgbClr r="0" g="0" b="0"/>
-          </a:fillRef>
-          <a:effectRef idx="0">
-            <a:scrgbClr r="0" g="0" b="0"/>
-          </a:effectRef>
-          <a:fontRef idx="minor">
-            <a:schemeClr val="tx1"/>
-          </a:fontRef>
-        </p:style>
-      </p:cxnSp>
+      </p:pic>
     </p:spTree>
     <p:extLst>
       <p:ext uri="{BB962C8B-B14F-4D97-AF65-F5344CB8AC3E}">
-        <p14:creationId xmlns:p14="http://schemas.microsoft.com/office/powerpoint/2010/main" val="3217353708"/>
+        <p14:creationId xmlns:p14="http://schemas.microsoft.com/office/powerpoint/2010/main" val="1636373068"/>
       </p:ext>
     </p:extLst>
   </p:cSld>
@@ -7871,13 +7231,13 @@
       </p:grpSpPr>
       <p:sp>
         <p:nvSpPr>
-          <p:cNvPr id="3" name="Szövegdoboz 2"/>
+          <p:cNvPr id="18" name="Szövegdoboz 17"/>
           <p:cNvSpPr txBox="1"/>
           <p:nvPr/>
         </p:nvSpPr>
         <p:spPr>
           <a:xfrm>
-            <a:off x="512201" y="554636"/>
+            <a:off x="512201" y="573686"/>
             <a:ext cx="11167598" cy="830997"/>
           </a:xfrm>
           <a:prstGeom prst="rect">
@@ -7897,7 +7257,130 @@
                   <a:schemeClr val="bg1"/>
                 </a:solidFill>
               </a:rPr>
-              <a:t>TDD – </a:t>
+              <a:t>Steps</a:t>
+            </a:r>
+            <a:endParaRPr lang="en-GB" sz="3600" dirty="0">
+              <a:solidFill>
+                <a:schemeClr val="bg1"/>
+              </a:solidFill>
+            </a:endParaRPr>
+          </a:p>
+        </p:txBody>
+      </p:sp>
+      <p:sp>
+        <p:nvSpPr>
+          <p:cNvPr id="19" name="Szövegdoboz 18"/>
+          <p:cNvSpPr txBox="1"/>
+          <p:nvPr/>
+        </p:nvSpPr>
+        <p:spPr>
+          <a:xfrm>
+            <a:off x="512201" y="1823783"/>
+            <a:ext cx="11030225" cy="3416320"/>
+          </a:xfrm>
+          <a:prstGeom prst="rect">
+            <a:avLst/>
+          </a:prstGeom>
+          <a:noFill/>
+        </p:spPr>
+        <p:txBody>
+          <a:bodyPr wrap="square" rtlCol="0">
+            <a:spAutoFit/>
+          </a:bodyPr>
+          <a:lstStyle/>
+          <a:p>
+            <a:pPr marL="571500" indent="-571500">
+              <a:buFontTx/>
+              <a:buChar char="-"/>
+            </a:pPr>
+            <a:r>
+              <a:rPr lang="en-GB" sz="3600" dirty="0">
+                <a:solidFill>
+                  <a:schemeClr val="bg1"/>
+                </a:solidFill>
+              </a:rPr>
+              <a:t>Change the connection string</a:t>
+            </a:r>
+          </a:p>
+          <a:p>
+            <a:pPr marL="571500" indent="-571500">
+              <a:buFontTx/>
+              <a:buChar char="-"/>
+            </a:pPr>
+            <a:r>
+              <a:rPr lang="en-GB" sz="3600" dirty="0">
+                <a:solidFill>
+                  <a:schemeClr val="bg1"/>
+                </a:solidFill>
+              </a:rPr>
+              <a:t>Install the packages</a:t>
+            </a:r>
+            <a:r>
+              <a:rPr lang="hu-HU" sz="3600" dirty="0">
+                <a:solidFill>
+                  <a:schemeClr val="bg1"/>
+                </a:solidFill>
+              </a:rPr>
+              <a:t> </a:t>
+            </a:r>
+            <a:r>
+              <a:rPr lang="en-GB" sz="3600" dirty="0">
+                <a:solidFill>
+                  <a:schemeClr val="bg1"/>
+                </a:solidFill>
+              </a:rPr>
+              <a:t>(</a:t>
+            </a:r>
+            <a:r>
+              <a:rPr lang="en-GB" sz="3600" dirty="0" err="1">
+                <a:solidFill>
+                  <a:schemeClr val="bg1"/>
+                </a:solidFill>
+              </a:rPr>
+              <a:t>Postgre</a:t>
+            </a:r>
+            <a:r>
+              <a:rPr lang="en-GB" sz="3600" dirty="0">
+                <a:solidFill>
+                  <a:schemeClr val="bg1"/>
+                </a:solidFill>
+              </a:rPr>
+              <a:t>)</a:t>
+            </a:r>
+            <a:endParaRPr lang="hu-HU" sz="3600" dirty="0">
+              <a:solidFill>
+                <a:schemeClr val="bg1"/>
+              </a:solidFill>
+            </a:endParaRPr>
+          </a:p>
+          <a:p>
+            <a:pPr marL="571500" indent="-571500">
+              <a:buFontTx/>
+              <a:buChar char="-"/>
+            </a:pPr>
+            <a:r>
+              <a:rPr lang="hu-HU" sz="3600" dirty="0">
+                <a:solidFill>
+                  <a:schemeClr val="bg1"/>
+                </a:solidFill>
+              </a:rPr>
+              <a:t>Add </a:t>
+            </a:r>
+            <a:r>
+              <a:rPr lang="en-GB" sz="3600" dirty="0" err="1" smtClean="0">
+                <a:solidFill>
+                  <a:schemeClr val="bg1"/>
+                </a:solidFill>
+              </a:rPr>
+              <a:t>ToDo</a:t>
+            </a:r>
+            <a:r>
+              <a:rPr lang="hu-HU" sz="3600" dirty="0" smtClean="0">
+                <a:solidFill>
+                  <a:schemeClr val="bg1"/>
+                </a:solidFill>
+              </a:rPr>
+              <a:t> </a:t>
             </a:r>
             <a:r>
               <a:rPr lang="en-GB" sz="3600" dirty="0" smtClean="0">
@@ -7905,15 +7388,26 @@
                   <a:schemeClr val="bg1"/>
                 </a:solidFill>
               </a:rPr>
-              <a:t>To </a:t>
-            </a:r>
-            <a:r>
-              <a:rPr lang="en-GB" sz="3600" dirty="0">
+              <a:t>Class </a:t>
+            </a:r>
+            <a:endParaRPr lang="hu-HU" sz="3600" dirty="0">
+              <a:solidFill>
+                <a:schemeClr val="bg1"/>
+              </a:solidFill>
+            </a:endParaRPr>
+          </a:p>
+          <a:p>
+            <a:pPr marL="571500" indent="-571500">
+              <a:buFontTx/>
+              <a:buChar char="-"/>
+            </a:pPr>
+            <a:r>
+              <a:rPr lang="hu-HU" sz="3600" dirty="0">
                 <a:solidFill>
                   <a:schemeClr val="bg1"/>
                 </a:solidFill>
               </a:rPr>
-              <a:t>make two reference values </a:t>
+              <a:t>Add </a:t>
             </a:r>
             <a:r>
               <a:rPr lang="en-GB" sz="3600" dirty="0" smtClean="0">
@@ -7921,15 +7415,53 @@
                   <a:schemeClr val="bg1"/>
                 </a:solidFill>
               </a:rPr>
-              <a:t>comparable</a:t>
-            </a:r>
-            <a:r>
-              <a:rPr lang="en-GB" sz="3600" b="1" dirty="0">
+              <a:t>new migration</a:t>
+            </a:r>
+            <a:endParaRPr lang="hu-HU" sz="3600" dirty="0">
+              <a:solidFill>
+                <a:schemeClr val="bg1"/>
+              </a:solidFill>
+            </a:endParaRPr>
+          </a:p>
+          <a:p>
+            <a:pPr marL="571500" indent="-571500">
+              <a:buFontTx/>
+              <a:buChar char="-"/>
+            </a:pPr>
+            <a:r>
+              <a:rPr lang="hu-HU" sz="3600" dirty="0">
                 <a:solidFill>
                   <a:schemeClr val="bg1"/>
                 </a:solidFill>
               </a:rPr>
-              <a:t> </a:t>
+              <a:t>Add </a:t>
+            </a:r>
+            <a:r>
+              <a:rPr lang="en-GB" sz="3600" dirty="0" smtClean="0">
+                <a:solidFill>
+                  <a:schemeClr val="bg1"/>
+                </a:solidFill>
+              </a:rPr>
+              <a:t>few lines of code based on the tutorial</a:t>
+            </a:r>
+            <a:endParaRPr lang="hu-HU" sz="3600" dirty="0">
+              <a:solidFill>
+                <a:schemeClr val="bg1"/>
+              </a:solidFill>
+            </a:endParaRPr>
+          </a:p>
+          <a:p>
+            <a:pPr marL="571500" indent="-571500">
+              <a:buFontTx/>
+              <a:buChar char="-"/>
+            </a:pPr>
+            <a:r>
+              <a:rPr lang="en-GB" sz="3600" dirty="0" smtClean="0">
+                <a:solidFill>
+                  <a:schemeClr val="bg1"/>
+                </a:solidFill>
+              </a:rPr>
+              <a:t>Modify the view a little (deleting some stuff)</a:t>
             </a:r>
             <a:endParaRPr lang="en-GB" sz="3600" dirty="0">
               <a:solidFill>
@@ -7939,58 +7471,10 @@
           </a:p>
         </p:txBody>
       </p:sp>
-      <p:pic>
-        <p:nvPicPr>
-          <p:cNvPr id="5" name="Kép 4"/>
-          <p:cNvPicPr>
-            <a:picLocks noChangeAspect="1"/>
-          </p:cNvPicPr>
-          <p:nvPr/>
-        </p:nvPicPr>
-        <p:blipFill>
-          <a:blip r:embed="rId2"/>
-          <a:stretch>
-            <a:fillRect/>
-          </a:stretch>
-        </p:blipFill>
-        <p:spPr>
-          <a:xfrm>
-            <a:off x="512201" y="1491412"/>
-            <a:ext cx="10927927" cy="2311287"/>
-          </a:xfrm>
-          <a:prstGeom prst="rect">
-            <a:avLst/>
-          </a:prstGeom>
-        </p:spPr>
-      </p:pic>
-      <p:pic>
-        <p:nvPicPr>
-          <p:cNvPr id="6" name="Kép 5"/>
-          <p:cNvPicPr>
-            <a:picLocks noChangeAspect="1"/>
-          </p:cNvPicPr>
-          <p:nvPr/>
-        </p:nvPicPr>
-        <p:blipFill>
-          <a:blip r:embed="rId3"/>
-          <a:stretch>
-            <a:fillRect/>
-          </a:stretch>
-        </p:blipFill>
-        <p:spPr>
-          <a:xfrm>
-            <a:off x="512201" y="3972900"/>
-            <a:ext cx="10927927" cy="2450385"/>
-          </a:xfrm>
-          <a:prstGeom prst="rect">
-            <a:avLst/>
-          </a:prstGeom>
-        </p:spPr>
-      </p:pic>
     </p:spTree>
     <p:extLst>
       <p:ext uri="{BB962C8B-B14F-4D97-AF65-F5344CB8AC3E}">
-        <p14:creationId xmlns:p14="http://schemas.microsoft.com/office/powerpoint/2010/main" val="2726080373"/>
+        <p14:creationId xmlns:p14="http://schemas.microsoft.com/office/powerpoint/2010/main" val="3217353708"/>
       </p:ext>
     </p:extLst>
   </p:cSld>
@@ -8034,31 +7518,7 @@
       </p:grpSpPr>
       <p:pic>
         <p:nvPicPr>
-          <p:cNvPr id="3" name="Kép 2"/>
-          <p:cNvPicPr>
-            <a:picLocks noChangeAspect="1"/>
-          </p:cNvPicPr>
-          <p:nvPr/>
-        </p:nvPicPr>
-        <p:blipFill>
-          <a:blip r:embed="rId2"/>
-          <a:stretch>
-            <a:fillRect/>
-          </a:stretch>
-        </p:blipFill>
-        <p:spPr>
-          <a:xfrm>
-            <a:off x="2542627" y="430420"/>
-            <a:ext cx="7289904" cy="3593855"/>
-          </a:xfrm>
-          <a:prstGeom prst="rect">
-            <a:avLst/>
-          </a:prstGeom>
-        </p:spPr>
-      </p:pic>
-      <p:pic>
-        <p:nvPicPr>
-          <p:cNvPr id="4" name="Kép 3"/>
+          <p:cNvPr id="2" name="Kép 1"/>
           <p:cNvPicPr>
             <a:picLocks noChangeAspect="1"/>
           </p:cNvPicPr>
@@ -8072,18 +7532,88 @@
         </p:blipFill>
         <p:spPr>
           <a:xfrm>
-            <a:off x="387272" y="4452080"/>
-            <a:ext cx="11600615" cy="2143592"/>
+            <a:off x="383381" y="1033463"/>
+            <a:ext cx="11425238" cy="1499398"/>
           </a:xfrm>
           <a:prstGeom prst="rect">
             <a:avLst/>
           </a:prstGeom>
         </p:spPr>
       </p:pic>
+      <p:pic>
+        <p:nvPicPr>
+          <p:cNvPr id="3" name="Kép 2"/>
+          <p:cNvPicPr>
+            <a:picLocks noChangeAspect="1"/>
+          </p:cNvPicPr>
+          <p:nvPr/>
+        </p:nvPicPr>
+        <p:blipFill>
+          <a:blip r:embed="rId4"/>
+          <a:stretch>
+            <a:fillRect/>
+          </a:stretch>
+        </p:blipFill>
+        <p:spPr>
+          <a:xfrm>
+            <a:off x="1840707" y="2532861"/>
+            <a:ext cx="8510587" cy="4003636"/>
+          </a:xfrm>
+          <a:prstGeom prst="rect">
+            <a:avLst/>
+          </a:prstGeom>
+        </p:spPr>
+      </p:pic>
+      <p:sp>
+        <p:nvSpPr>
+          <p:cNvPr id="4" name="Téglalap 3"/>
+          <p:cNvSpPr/>
+          <p:nvPr/>
+        </p:nvSpPr>
+        <p:spPr>
+          <a:xfrm>
+            <a:off x="7505700" y="3094287"/>
+            <a:ext cx="2845594" cy="734763"/>
+          </a:xfrm>
+          <a:prstGeom prst="rect">
+            <a:avLst/>
+          </a:prstGeom>
+          <a:noFill/>
+          <a:ln w="76200">
+            <a:solidFill>
+              <a:srgbClr val="FF0000"/>
+            </a:solidFill>
+          </a:ln>
+        </p:spPr>
+        <p:style>
+          <a:lnRef idx="2">
+            <a:schemeClr val="accent1">
+              <a:shade val="50000"/>
+            </a:schemeClr>
+          </a:lnRef>
+          <a:fillRef idx="1">
+            <a:schemeClr val="accent1"/>
+          </a:fillRef>
+          <a:effectRef idx="0">
+            <a:schemeClr val="accent1"/>
+          </a:effectRef>
+          <a:fontRef idx="minor">
+            <a:schemeClr val="lt1"/>
+          </a:fontRef>
+        </p:style>
+        <p:txBody>
+          <a:bodyPr rtlCol="0" anchor="ctr"/>
+          <a:lstStyle/>
+          <a:p>
+            <a:pPr algn="ctr"/>
+            <a:endParaRPr lang="hu-HU"/>
+          </a:p>
+        </p:txBody>
+      </p:sp>
     </p:spTree>
     <p:extLst>
       <p:ext uri="{BB962C8B-B14F-4D97-AF65-F5344CB8AC3E}">
-        <p14:creationId xmlns:p14="http://schemas.microsoft.com/office/powerpoint/2010/main" val="749388355"/>
+        <p14:creationId xmlns:p14="http://schemas.microsoft.com/office/powerpoint/2010/main" val="1521887588"/>
       </p:ext>
     </p:extLst>
   </p:cSld>
@@ -8127,7 +7657,7 @@
       </p:grpSpPr>
       <p:sp>
         <p:nvSpPr>
-          <p:cNvPr id="2" name="Szövegdoboz 1"/>
+          <p:cNvPr id="3" name="Szövegdoboz 2"/>
           <p:cNvSpPr txBox="1"/>
           <p:nvPr/>
         </p:nvSpPr>
@@ -8153,7 +7683,138 @@
                   <a:schemeClr val="bg1"/>
                 </a:solidFill>
               </a:rPr>
-              <a:t>Summary</a:t>
+              <a:t>Code</a:t>
+            </a:r>
+            <a:endParaRPr lang="en-GB" sz="3600" dirty="0">
+              <a:solidFill>
+                <a:schemeClr val="bg1"/>
+              </a:solidFill>
+            </a:endParaRPr>
+          </a:p>
+        </p:txBody>
+      </p:sp>
+      <p:pic>
+        <p:nvPicPr>
+          <p:cNvPr id="2" name="Kép 1"/>
+          <p:cNvPicPr>
+            <a:picLocks noChangeAspect="1"/>
+          </p:cNvPicPr>
+          <p:nvPr/>
+        </p:nvPicPr>
+        <p:blipFill>
+          <a:blip r:embed="rId3"/>
+          <a:stretch>
+            <a:fillRect/>
+          </a:stretch>
+        </p:blipFill>
+        <p:spPr>
+          <a:xfrm>
+            <a:off x="512201" y="1385632"/>
+            <a:ext cx="11167598" cy="1011699"/>
+          </a:xfrm>
+          <a:prstGeom prst="rect">
+            <a:avLst/>
+          </a:prstGeom>
+        </p:spPr>
+      </p:pic>
+      <p:pic>
+        <p:nvPicPr>
+          <p:cNvPr id="7" name="Kép 6"/>
+          <p:cNvPicPr>
+            <a:picLocks noChangeAspect="1"/>
+          </p:cNvPicPr>
+          <p:nvPr/>
+        </p:nvPicPr>
+        <p:blipFill>
+          <a:blip r:embed="rId4"/>
+          <a:stretch>
+            <a:fillRect/>
+          </a:stretch>
+        </p:blipFill>
+        <p:spPr>
+          <a:xfrm>
+            <a:off x="512200" y="2705100"/>
+            <a:ext cx="11167599" cy="2729858"/>
+          </a:xfrm>
+          <a:prstGeom prst="rect">
+            <a:avLst/>
+          </a:prstGeom>
+        </p:spPr>
+      </p:pic>
+    </p:spTree>
+    <p:extLst>
+      <p:ext uri="{BB962C8B-B14F-4D97-AF65-F5344CB8AC3E}">
+        <p14:creationId xmlns:p14="http://schemas.microsoft.com/office/powerpoint/2010/main" val="2726080373"/>
+      </p:ext>
+    </p:extLst>
+  </p:cSld>
+  <p:clrMapOvr>
+    <a:masterClrMapping/>
+  </p:clrMapOvr>
+  <p:timing>
+    <p:tnLst>
+      <p:par>
+        <p:cTn id="1" dur="indefinite" restart="never" nodeType="tmRoot"/>
+      </p:par>
+    </p:tnLst>
+  </p:timing>
+</p:sld>
+</file>
+
+<file path=ppt/slides/slide7.xml><?xml version="1.0" encoding="utf-8"?>
+<p:sld xmlns:a="http://schemas.openxmlformats.org/drawingml/2006/main" xmlns:r="http://schemas.openxmlformats.org/officeDocument/2006/relationships" xmlns:p="http://schemas.openxmlformats.org/presentationml/2006/main">
+  <p:cSld>
+    <p:bg>
+      <p:bgPr>
+        <a:solidFill>
+          <a:srgbClr val="419464"/>
+        </a:solidFill>
+        <a:effectLst/>
+      </p:bgPr>
+    </p:bg>
+    <p:spTree>
+      <p:nvGrpSpPr>
+        <p:cNvPr id="1" name=""/>
+        <p:cNvGrpSpPr/>
+        <p:nvPr/>
+      </p:nvGrpSpPr>
+      <p:grpSpPr>
+        <a:xfrm>
+          <a:off x="0" y="0"/>
+          <a:ext cx="0" cy="0"/>
+          <a:chOff x="0" y="0"/>
+          <a:chExt cx="0" cy="0"/>
+        </a:xfrm>
+      </p:grpSpPr>
+      <p:sp>
+        <p:nvSpPr>
+          <p:cNvPr id="2" name="Szövegdoboz 1"/>
+          <p:cNvSpPr txBox="1"/>
+          <p:nvPr/>
+        </p:nvSpPr>
+        <p:spPr>
+          <a:xfrm>
+            <a:off x="512201" y="554636"/>
+            <a:ext cx="11167598" cy="830997"/>
+          </a:xfrm>
+          <a:prstGeom prst="rect">
+            <a:avLst/>
+          </a:prstGeom>
+          <a:noFill/>
+        </p:spPr>
+        <p:txBody>
+          <a:bodyPr wrap="square" rtlCol="0">
+            <a:spAutoFit/>
+          </a:bodyPr>
+          <a:lstStyle/>
+          <a:p>
+            <a:r>
+              <a:rPr lang="en-GB" sz="4800" b="1" dirty="0" smtClean="0">
+                <a:solidFill>
+                  <a:schemeClr val="bg1"/>
+                </a:solidFill>
+              </a:rPr>
+              <a:t>Plans</a:t>
             </a:r>
             <a:endParaRPr lang="hu-HU" sz="4800" b="1" dirty="0">
               <a:solidFill>
@@ -8165,13 +7826,13 @@
       </p:sp>
       <p:sp>
         <p:nvSpPr>
-          <p:cNvPr id="3" name="Szövegdoboz 2"/>
+          <p:cNvPr id="4" name="Szövegdoboz 3"/>
           <p:cNvSpPr txBox="1"/>
           <p:nvPr/>
         </p:nvSpPr>
         <p:spPr>
           <a:xfrm>
-            <a:off x="512201" y="1693889"/>
+            <a:off x="512201" y="1823783"/>
             <a:ext cx="11030225" cy="4524315"/>
           </a:xfrm>
           <a:prstGeom prst="rect">
@@ -8195,7 +7856,56 @@
                   <a:schemeClr val="bg1"/>
                 </a:solidFill>
               </a:rPr>
-              <a:t>I will use more often UML </a:t>
+              <a:t>Find the repository! Where are you, my </a:t>
+            </a:r>
+            <a:r>
+              <a:rPr lang="hu-HU" sz="3600" dirty="0" smtClean="0">
+                <a:solidFill>
+                  <a:schemeClr val="bg1"/>
+                </a:solidFill>
+              </a:rPr>
+              <a:t>old </a:t>
+            </a:r>
+            <a:r>
+              <a:rPr lang="en-GB" sz="3600" dirty="0" smtClean="0">
+                <a:solidFill>
+                  <a:schemeClr val="bg1"/>
+                </a:solidFill>
+              </a:rPr>
+              <a:t>friend?</a:t>
+            </a:r>
+            <a:endParaRPr lang="hu-HU" sz="3600" dirty="0">
+              <a:solidFill>
+                <a:schemeClr val="bg1"/>
+              </a:solidFill>
+            </a:endParaRPr>
+          </a:p>
+          <a:p>
+            <a:pPr marL="571500" indent="-571500">
+              <a:buFontTx/>
+              <a:buChar char="-"/>
+            </a:pPr>
+            <a:r>
+              <a:rPr lang="en-GB" sz="3600" dirty="0" smtClean="0">
+                <a:solidFill>
+                  <a:schemeClr val="bg1"/>
+                </a:solidFill>
+              </a:rPr>
+              <a:t>Build it without the tutorial</a:t>
+            </a:r>
+          </a:p>
+          <a:p>
+            <a:pPr marL="571500" indent="-571500">
+              <a:buFontTx/>
+              <a:buChar char="-"/>
+            </a:pPr>
+            <a:r>
+              <a:rPr lang="en-GB" sz="3600" dirty="0" smtClean="0">
+                <a:solidFill>
+                  <a:schemeClr val="bg1"/>
+                </a:solidFill>
+              </a:rPr>
+              <a:t>Get rid </a:t>
             </a:r>
             <a:r>
               <a:rPr lang="en-GB" sz="3600" dirty="0">
@@ -8203,7 +7913,7 @@
                   <a:schemeClr val="bg1"/>
                 </a:solidFill>
               </a:rPr>
-              <a:t>&amp; </a:t>
+              <a:t>of </a:t>
             </a:r>
             <a:r>
               <a:rPr lang="en-GB" sz="3600" dirty="0" smtClean="0">
@@ -8211,11 +7921,11 @@
                   <a:schemeClr val="bg1"/>
                 </a:solidFill>
               </a:rPr>
-              <a:t>TDD</a:t>
-            </a:r>
-          </a:p>
-          <a:p>
-            <a:pPr marL="571500" indent="-571500">
+              <a:t>unnecessary features </a:t>
+            </a:r>
+          </a:p>
+          <a:p>
+            <a:pPr marL="1028700" lvl="1" indent="-571500">
               <a:buFontTx/>
               <a:buChar char="-"/>
             </a:pPr>
@@ -8225,7 +7935,7 @@
                   <a:schemeClr val="bg1"/>
                 </a:solidFill>
               </a:rPr>
-              <a:t>Black Jack is one of the most simple card games</a:t>
+              <a:t>Views</a:t>
             </a:r>
           </a:p>
           <a:p>
@@ -8239,7 +7949,7 @@
                   <a:schemeClr val="bg1"/>
                 </a:solidFill>
               </a:rPr>
-              <a:t>Still hard to create the rules</a:t>
+              <a:t>Controllers</a:t>
             </a:r>
           </a:p>
           <a:p>
@@ -8253,15 +7963,9 @@
                   <a:schemeClr val="bg1"/>
                 </a:solidFill>
               </a:rPr>
-              <a:t>Easy to figure out which is the best possible way to use an ace</a:t>
-            </a:r>
-          </a:p>
-          <a:p>
-            <a:pPr marL="1028700" lvl="1" indent="-571500">
-              <a:buFontTx/>
-              <a:buChar char="-"/>
-            </a:pPr>
-            <a:endParaRPr lang="en-GB" sz="3600" dirty="0">
+              <a:t>Properties</a:t>
+            </a:r>
+            <a:endParaRPr lang="hu-HU" sz="3600" dirty="0" smtClean="0">
               <a:solidFill>
                 <a:schemeClr val="bg1"/>
               </a:solidFill>
@@ -8278,17 +7982,23 @@
                   <a:schemeClr val="bg1"/>
                 </a:solidFill>
               </a:rPr>
-              <a:t>Extra challenge for next week: </a:t>
-            </a:r>
-            <a:r>
-              <a:rPr lang="en-GB" sz="3600" i="1" dirty="0" smtClean="0">
+              <a:t>Understand what is left</a:t>
+            </a:r>
+          </a:p>
+          <a:p>
+            <a:pPr marL="571500" indent="-571500">
+              <a:buFontTx/>
+              <a:buChar char="-"/>
+            </a:pPr>
+            <a:r>
+              <a:rPr lang="en-GB" sz="3600" dirty="0" smtClean="0">
                 <a:solidFill>
                   <a:schemeClr val="bg1"/>
                 </a:solidFill>
               </a:rPr>
-              <a:t>create an other game by only modifying the game class</a:t>
-            </a:r>
-            <a:endParaRPr lang="en-GB" sz="3600" i="1" dirty="0">
+              <a:t>Do it in an empty project</a:t>
+            </a:r>
+            <a:endParaRPr lang="hu-HU" sz="3600" dirty="0">
               <a:solidFill>
                 <a:schemeClr val="bg1"/>
               </a:solidFill>
